--- a/Project Review and Feedback/181022 IDS6916 Group4 Project Review and Feedback.pptx
+++ b/Project Review and Feedback/181022 IDS6916 Group4 Project Review and Feedback.pptx
@@ -11,7 +11,7 @@
     <p:sldId id="256" r:id="rId2"/>
     <p:sldId id="297" r:id="rId3"/>
     <p:sldId id="305" r:id="rId4"/>
-    <p:sldId id="298" r:id="rId5"/>
+    <p:sldId id="314" r:id="rId5"/>
     <p:sldId id="300" r:id="rId6"/>
     <p:sldId id="299" r:id="rId7"/>
     <p:sldId id="312" r:id="rId8"/>
@@ -244,12 +244,268 @@
 <p1510:revInfo xmlns:a="http://schemas.openxmlformats.org/drawingml/2006/main" xmlns:r="http://schemas.openxmlformats.org/officeDocument/2006/relationships" xmlns:p1510="http://schemas.microsoft.com/office/powerpoint/2015/10/main">
   <p1510:revLst>
     <p1510:client id="{533D8BC1-A1B0-4A43-8782-2B3A79C441FC}" v="39" dt="2018-10-22T22:51:47.046"/>
+    <p1510:client id="{9B0D4A69-197F-41C2-B268-CEF901FC624A}" v="19" dt="2018-10-23T01:09:42.835"/>
   </p1510:revLst>
 </p1510:revInfo>
 </file>
 
 <file path=ppt/changesInfos/changesInfo1.xml><?xml version="1.0" encoding="utf-8"?>
 <pc:chgInfo xmlns:a="http://schemas.openxmlformats.org/drawingml/2006/main" xmlns:r="http://schemas.openxmlformats.org/officeDocument/2006/relationships" xmlns:ac="http://schemas.microsoft.com/office/drawing/2013/main/command" xmlns:pc="http://schemas.microsoft.com/office/powerpoint/2013/main/command">
+  <pc:docChgLst>
+    <pc:chgData name="Ugur Uysal" userId="d57be18797cc43e3" providerId="LiveId" clId="{9B0D4A69-197F-41C2-B268-CEF901FC624A}"/>
+    <pc:docChg chg="undo addSld delSld modSld">
+      <pc:chgData name="Ugur Uysal" userId="d57be18797cc43e3" providerId="LiveId" clId="{9B0D4A69-197F-41C2-B268-CEF901FC624A}" dt="2018-10-23T01:24:15.393" v="567" actId="20577"/>
+      <pc:docMkLst>
+        <pc:docMk/>
+      </pc:docMkLst>
+      <pc:sldChg chg="modSp">
+        <pc:chgData name="Ugur Uysal" userId="d57be18797cc43e3" providerId="LiveId" clId="{9B0D4A69-197F-41C2-B268-CEF901FC624A}" dt="2018-10-23T01:22:25.150" v="555" actId="255"/>
+        <pc:sldMkLst>
+          <pc:docMk/>
+          <pc:sldMk cId="0" sldId="285"/>
+        </pc:sldMkLst>
+        <pc:spChg chg="mod">
+          <ac:chgData name="Ugur Uysal" userId="d57be18797cc43e3" providerId="LiveId" clId="{9B0D4A69-197F-41C2-B268-CEF901FC624A}" dt="2018-10-23T01:22:25.150" v="555" actId="255"/>
+          <ac:spMkLst>
+            <pc:docMk/>
+            <pc:sldMk cId="0" sldId="285"/>
+            <ac:spMk id="337" creationId="{00000000-0000-0000-0000-000000000000}"/>
+          </ac:spMkLst>
+        </pc:spChg>
+      </pc:sldChg>
+      <pc:sldChg chg="modNotesTx">
+        <pc:chgData name="Ugur Uysal" userId="d57be18797cc43e3" providerId="LiveId" clId="{9B0D4A69-197F-41C2-B268-CEF901FC624A}" dt="2018-10-23T01:20:37.788" v="525" actId="20577"/>
+        <pc:sldMkLst>
+          <pc:docMk/>
+          <pc:sldMk cId="99754435" sldId="297"/>
+        </pc:sldMkLst>
+      </pc:sldChg>
+      <pc:sldChg chg="del">
+        <pc:chgData name="Ugur Uysal" userId="d57be18797cc43e3" providerId="LiveId" clId="{9B0D4A69-197F-41C2-B268-CEF901FC624A}" dt="2018-10-23T01:06:37.262" v="312" actId="2696"/>
+        <pc:sldMkLst>
+          <pc:docMk/>
+          <pc:sldMk cId="1163336722" sldId="298"/>
+        </pc:sldMkLst>
+      </pc:sldChg>
+      <pc:sldChg chg="modSp">
+        <pc:chgData name="Ugur Uysal" userId="d57be18797cc43e3" providerId="LiveId" clId="{9B0D4A69-197F-41C2-B268-CEF901FC624A}" dt="2018-10-23T01:13:58.283" v="423" actId="12"/>
+        <pc:sldMkLst>
+          <pc:docMk/>
+          <pc:sldMk cId="2839024137" sldId="299"/>
+        </pc:sldMkLst>
+        <pc:spChg chg="mod">
+          <ac:chgData name="Ugur Uysal" userId="d57be18797cc43e3" providerId="LiveId" clId="{9B0D4A69-197F-41C2-B268-CEF901FC624A}" dt="2018-10-23T01:13:58.283" v="423" actId="12"/>
+          <ac:spMkLst>
+            <pc:docMk/>
+            <pc:sldMk cId="2839024137" sldId="299"/>
+            <ac:spMk id="4" creationId="{DE2B81C4-9BCD-49D6-B6D7-3534BD21A20F}"/>
+          </ac:spMkLst>
+        </pc:spChg>
+      </pc:sldChg>
+      <pc:sldChg chg="modSp modNotesTx">
+        <pc:chgData name="Ugur Uysal" userId="d57be18797cc43e3" providerId="LiveId" clId="{9B0D4A69-197F-41C2-B268-CEF901FC624A}" dt="2018-10-23T01:20:31.258" v="523" actId="20577"/>
+        <pc:sldMkLst>
+          <pc:docMk/>
+          <pc:sldMk cId="464928782" sldId="300"/>
+        </pc:sldMkLst>
+        <pc:spChg chg="mod">
+          <ac:chgData name="Ugur Uysal" userId="d57be18797cc43e3" providerId="LiveId" clId="{9B0D4A69-197F-41C2-B268-CEF901FC624A}" dt="2018-10-23T01:10:49.181" v="408" actId="20577"/>
+          <ac:spMkLst>
+            <pc:docMk/>
+            <pc:sldMk cId="464928782" sldId="300"/>
+            <ac:spMk id="5" creationId="{5D6C0CAF-CC8D-4414-ACD3-10A59F63CBD3}"/>
+          </ac:spMkLst>
+        </pc:spChg>
+      </pc:sldChg>
+      <pc:sldChg chg="modSp modNotesTx">
+        <pc:chgData name="Ugur Uysal" userId="d57be18797cc43e3" providerId="LiveId" clId="{9B0D4A69-197F-41C2-B268-CEF901FC624A}" dt="2018-10-23T01:20:18.058" v="521" actId="20577"/>
+        <pc:sldMkLst>
+          <pc:docMk/>
+          <pc:sldMk cId="1462786729" sldId="302"/>
+        </pc:sldMkLst>
+        <pc:spChg chg="mod">
+          <ac:chgData name="Ugur Uysal" userId="d57be18797cc43e3" providerId="LiveId" clId="{9B0D4A69-197F-41C2-B268-CEF901FC624A}" dt="2018-10-23T01:19:32.526" v="516" actId="113"/>
+          <ac:spMkLst>
+            <pc:docMk/>
+            <pc:sldMk cId="1462786729" sldId="302"/>
+            <ac:spMk id="4" creationId="{4CA8EC36-06D1-45C5-95B1-D0F4B53CB6E6}"/>
+          </ac:spMkLst>
+        </pc:spChg>
+      </pc:sldChg>
+      <pc:sldChg chg="modSp modNotesTx">
+        <pc:chgData name="Ugur Uysal" userId="d57be18797cc43e3" providerId="LiveId" clId="{9B0D4A69-197F-41C2-B268-CEF901FC624A}" dt="2018-10-23T01:24:15.393" v="567" actId="20577"/>
+        <pc:sldMkLst>
+          <pc:docMk/>
+          <pc:sldMk cId="4211198062" sldId="303"/>
+        </pc:sldMkLst>
+        <pc:spChg chg="mod">
+          <ac:chgData name="Ugur Uysal" userId="d57be18797cc43e3" providerId="LiveId" clId="{9B0D4A69-197F-41C2-B268-CEF901FC624A}" dt="2018-10-23T01:24:15.393" v="567" actId="20577"/>
+          <ac:spMkLst>
+            <pc:docMk/>
+            <pc:sldMk cId="4211198062" sldId="303"/>
+            <ac:spMk id="4" creationId="{5EE67AC1-ADE2-4744-A134-27C4346FD289}"/>
+          </ac:spMkLst>
+        </pc:spChg>
+      </pc:sldChg>
+      <pc:sldChg chg="modSp">
+        <pc:chgData name="Ugur Uysal" userId="d57be18797cc43e3" providerId="LiveId" clId="{9B0D4A69-197F-41C2-B268-CEF901FC624A}" dt="2018-10-23T01:17:03.894" v="448" actId="255"/>
+        <pc:sldMkLst>
+          <pc:docMk/>
+          <pc:sldMk cId="602209586" sldId="304"/>
+        </pc:sldMkLst>
+        <pc:spChg chg="mod">
+          <ac:chgData name="Ugur Uysal" userId="d57be18797cc43e3" providerId="LiveId" clId="{9B0D4A69-197F-41C2-B268-CEF901FC624A}" dt="2018-10-23T01:17:03.894" v="448" actId="255"/>
+          <ac:spMkLst>
+            <pc:docMk/>
+            <pc:sldMk cId="602209586" sldId="304"/>
+            <ac:spMk id="4" creationId="{8F97F674-F699-42CE-A5F9-D7008955EF26}"/>
+          </ac:spMkLst>
+        </pc:spChg>
+      </pc:sldChg>
+      <pc:sldChg chg="modNotesTx">
+        <pc:chgData name="Ugur Uysal" userId="d57be18797cc43e3" providerId="LiveId" clId="{9B0D4A69-197F-41C2-B268-CEF901FC624A}" dt="2018-10-23T01:20:35.445" v="524" actId="20577"/>
+        <pc:sldMkLst>
+          <pc:docMk/>
+          <pc:sldMk cId="1055492831" sldId="305"/>
+        </pc:sldMkLst>
+      </pc:sldChg>
+      <pc:sldChg chg="modSp">
+        <pc:chgData name="Ugur Uysal" userId="d57be18797cc43e3" providerId="LiveId" clId="{9B0D4A69-197F-41C2-B268-CEF901FC624A}" dt="2018-10-23T01:15:01.751" v="429" actId="255"/>
+        <pc:sldMkLst>
+          <pc:docMk/>
+          <pc:sldMk cId="234968342" sldId="306"/>
+        </pc:sldMkLst>
+        <pc:spChg chg="mod">
+          <ac:chgData name="Ugur Uysal" userId="d57be18797cc43e3" providerId="LiveId" clId="{9B0D4A69-197F-41C2-B268-CEF901FC624A}" dt="2018-10-23T01:15:01.751" v="429" actId="255"/>
+          <ac:spMkLst>
+            <pc:docMk/>
+            <pc:sldMk cId="234968342" sldId="306"/>
+            <ac:spMk id="4" creationId="{DE2B81C4-9BCD-49D6-B6D7-3534BD21A20F}"/>
+          </ac:spMkLst>
+        </pc:spChg>
+      </pc:sldChg>
+      <pc:sldChg chg="modSp">
+        <pc:chgData name="Ugur Uysal" userId="d57be18797cc43e3" providerId="LiveId" clId="{9B0D4A69-197F-41C2-B268-CEF901FC624A}" dt="2018-10-23T01:15:37.691" v="435" actId="20577"/>
+        <pc:sldMkLst>
+          <pc:docMk/>
+          <pc:sldMk cId="2951528836" sldId="307"/>
+        </pc:sldMkLst>
+        <pc:spChg chg="mod">
+          <ac:chgData name="Ugur Uysal" userId="d57be18797cc43e3" providerId="LiveId" clId="{9B0D4A69-197F-41C2-B268-CEF901FC624A}" dt="2018-10-23T01:15:37.691" v="435" actId="20577"/>
+          <ac:spMkLst>
+            <pc:docMk/>
+            <pc:sldMk cId="2951528836" sldId="307"/>
+            <ac:spMk id="4" creationId="{DE2B81C4-9BCD-49D6-B6D7-3534BD21A20F}"/>
+          </ac:spMkLst>
+        </pc:spChg>
+      </pc:sldChg>
+      <pc:sldChg chg="modSp">
+        <pc:chgData name="Ugur Uysal" userId="d57be18797cc43e3" providerId="LiveId" clId="{9B0D4A69-197F-41C2-B268-CEF901FC624A}" dt="2018-10-23T01:17:36.987" v="492" actId="20577"/>
+        <pc:sldMkLst>
+          <pc:docMk/>
+          <pc:sldMk cId="3144520210" sldId="308"/>
+        </pc:sldMkLst>
+        <pc:spChg chg="mod">
+          <ac:chgData name="Ugur Uysal" userId="d57be18797cc43e3" providerId="LiveId" clId="{9B0D4A69-197F-41C2-B268-CEF901FC624A}" dt="2018-10-23T01:17:36.987" v="492" actId="20577"/>
+          <ac:spMkLst>
+            <pc:docMk/>
+            <pc:sldMk cId="3144520210" sldId="308"/>
+            <ac:spMk id="4" creationId="{8F97F674-F699-42CE-A5F9-D7008955EF26}"/>
+          </ac:spMkLst>
+        </pc:spChg>
+      </pc:sldChg>
+      <pc:sldChg chg="modSp">
+        <pc:chgData name="Ugur Uysal" userId="d57be18797cc43e3" providerId="LiveId" clId="{9B0D4A69-197F-41C2-B268-CEF901FC624A}" dt="2018-10-23T01:17:58.751" v="494" actId="2711"/>
+        <pc:sldMkLst>
+          <pc:docMk/>
+          <pc:sldMk cId="1549046917" sldId="309"/>
+        </pc:sldMkLst>
+        <pc:spChg chg="mod">
+          <ac:chgData name="Ugur Uysal" userId="d57be18797cc43e3" providerId="LiveId" clId="{9B0D4A69-197F-41C2-B268-CEF901FC624A}" dt="2018-10-23T01:17:58.751" v="494" actId="2711"/>
+          <ac:spMkLst>
+            <pc:docMk/>
+            <pc:sldMk cId="1549046917" sldId="309"/>
+            <ac:spMk id="4" creationId="{8F97F674-F699-42CE-A5F9-D7008955EF26}"/>
+          </ac:spMkLst>
+        </pc:spChg>
+      </pc:sldChg>
+      <pc:sldChg chg="modSp">
+        <pc:chgData name="Ugur Uysal" userId="d57be18797cc43e3" providerId="LiveId" clId="{9B0D4A69-197F-41C2-B268-CEF901FC624A}" dt="2018-10-23T01:18:07.733" v="496" actId="255"/>
+        <pc:sldMkLst>
+          <pc:docMk/>
+          <pc:sldMk cId="3688290770" sldId="310"/>
+        </pc:sldMkLst>
+        <pc:spChg chg="mod">
+          <ac:chgData name="Ugur Uysal" userId="d57be18797cc43e3" providerId="LiveId" clId="{9B0D4A69-197F-41C2-B268-CEF901FC624A}" dt="2018-10-23T01:18:07.733" v="496" actId="255"/>
+          <ac:spMkLst>
+            <pc:docMk/>
+            <pc:sldMk cId="3688290770" sldId="310"/>
+            <ac:spMk id="4" creationId="{8F97F674-F699-42CE-A5F9-D7008955EF26}"/>
+          </ac:spMkLst>
+        </pc:spChg>
+      </pc:sldChg>
+      <pc:sldChg chg="modSp">
+        <pc:chgData name="Ugur Uysal" userId="d57be18797cc43e3" providerId="LiveId" clId="{9B0D4A69-197F-41C2-B268-CEF901FC624A}" dt="2018-10-23T01:16:30.196" v="444" actId="113"/>
+        <pc:sldMkLst>
+          <pc:docMk/>
+          <pc:sldMk cId="2705855552" sldId="311"/>
+        </pc:sldMkLst>
+        <pc:spChg chg="mod">
+          <ac:chgData name="Ugur Uysal" userId="d57be18797cc43e3" providerId="LiveId" clId="{9B0D4A69-197F-41C2-B268-CEF901FC624A}" dt="2018-10-23T01:16:30.196" v="444" actId="113"/>
+          <ac:spMkLst>
+            <pc:docMk/>
+            <pc:sldMk cId="2705855552" sldId="311"/>
+            <ac:spMk id="4" creationId="{8F97F674-F699-42CE-A5F9-D7008955EF26}"/>
+          </ac:spMkLst>
+        </pc:spChg>
+      </pc:sldChg>
+      <pc:sldChg chg="modSp">
+        <pc:chgData name="Ugur Uysal" userId="d57be18797cc43e3" providerId="LiveId" clId="{9B0D4A69-197F-41C2-B268-CEF901FC624A}" dt="2018-10-23T01:14:24.634" v="427" actId="255"/>
+        <pc:sldMkLst>
+          <pc:docMk/>
+          <pc:sldMk cId="31873518" sldId="312"/>
+        </pc:sldMkLst>
+        <pc:spChg chg="mod">
+          <ac:chgData name="Ugur Uysal" userId="d57be18797cc43e3" providerId="LiveId" clId="{9B0D4A69-197F-41C2-B268-CEF901FC624A}" dt="2018-10-23T01:14:24.634" v="427" actId="255"/>
+          <ac:spMkLst>
+            <pc:docMk/>
+            <pc:sldMk cId="31873518" sldId="312"/>
+            <ac:spMk id="4" creationId="{DE2B81C4-9BCD-49D6-B6D7-3534BD21A20F}"/>
+          </ac:spMkLst>
+        </pc:spChg>
+      </pc:sldChg>
+      <pc:sldChg chg="modSp modNotesTx">
+        <pc:chgData name="Ugur Uysal" userId="d57be18797cc43e3" providerId="LiveId" clId="{9B0D4A69-197F-41C2-B268-CEF901FC624A}" dt="2018-10-23T01:20:16.618" v="520" actId="20577"/>
+        <pc:sldMkLst>
+          <pc:docMk/>
+          <pc:sldMk cId="1302871242" sldId="313"/>
+        </pc:sldMkLst>
+        <pc:spChg chg="mod">
+          <ac:chgData name="Ugur Uysal" userId="d57be18797cc43e3" providerId="LiveId" clId="{9B0D4A69-197F-41C2-B268-CEF901FC624A}" dt="2018-10-23T01:19:56.477" v="518" actId="255"/>
+          <ac:spMkLst>
+            <pc:docMk/>
+            <pc:sldMk cId="1302871242" sldId="313"/>
+            <ac:spMk id="4" creationId="{4CA8EC36-06D1-45C5-95B1-D0F4B53CB6E6}"/>
+          </ac:spMkLst>
+        </pc:spChg>
+      </pc:sldChg>
+      <pc:sldChg chg="modSp add modNotesTx">
+        <pc:chgData name="Ugur Uysal" userId="d57be18797cc43e3" providerId="LiveId" clId="{9B0D4A69-197F-41C2-B268-CEF901FC624A}" dt="2018-10-23T01:12:58.780" v="417" actId="2710"/>
+        <pc:sldMkLst>
+          <pc:docMk/>
+          <pc:sldMk cId="1178821223" sldId="314"/>
+        </pc:sldMkLst>
+        <pc:spChg chg="mod">
+          <ac:chgData name="Ugur Uysal" userId="d57be18797cc43e3" providerId="LiveId" clId="{9B0D4A69-197F-41C2-B268-CEF901FC624A}" dt="2018-10-23T01:12:58.780" v="417" actId="2710"/>
+          <ac:spMkLst>
+            <pc:docMk/>
+            <pc:sldMk cId="1178821223" sldId="314"/>
+            <ac:spMk id="4" creationId="{D86F8B16-85D0-4D63-B8EC-27CCFB2DD154}"/>
+          </ac:spMkLst>
+        </pc:spChg>
+      </pc:sldChg>
+    </pc:docChg>
+  </pc:docChgLst>
   <pc:docChgLst>
     <pc:chgData name="Ugur Uysal" userId="d57be18797cc43e3" providerId="LiveId" clId="{533D8BC1-A1B0-4A43-8782-2B3A79C441FC}"/>
     <pc:docChg chg="undo custSel addSld modSld">
@@ -2147,10 +2403,6 @@
           <a:bodyPr/>
           <a:lstStyle/>
           <a:p>
-            <a:r>
-              <a:rPr lang="de-DE" dirty="0"/>
-              <a:t>(See Chapter 6)</a:t>
-            </a:r>
             <a:endParaRPr lang="en-US" dirty="0"/>
           </a:p>
         </p:txBody>
@@ -2260,10 +2512,6 @@
           <a:bodyPr/>
           <a:lstStyle/>
           <a:p>
-            <a:r>
-              <a:rPr lang="de-DE" dirty="0"/>
-              <a:t>(See Chapter 6)</a:t>
-            </a:r>
             <a:endParaRPr lang="en-US" dirty="0"/>
           </a:p>
         </p:txBody>
@@ -2373,10 +2621,6 @@
           <a:bodyPr/>
           <a:lstStyle/>
           <a:p>
-            <a:r>
-              <a:rPr lang="de-DE" dirty="0"/>
-              <a:t>(See Chapter 6)</a:t>
-            </a:r>
             <a:endParaRPr lang="en-US" dirty="0"/>
           </a:p>
         </p:txBody>
@@ -2602,7 +2846,7 @@
               </a:spcAft>
               <a:buNone/>
             </a:pPr>
-            <a:endParaRPr/>
+            <a:endParaRPr dirty="0"/>
           </a:p>
         </p:txBody>
       </p:sp>
@@ -2699,10 +2943,6 @@
           <a:bodyPr/>
           <a:lstStyle/>
           <a:p>
-            <a:r>
-              <a:rPr lang="de-DE" dirty="0"/>
-              <a:t>(See Chapter 6)</a:t>
-            </a:r>
             <a:endParaRPr lang="en-US" dirty="0"/>
           </a:p>
         </p:txBody>
@@ -2812,10 +3052,6 @@
           <a:bodyPr/>
           <a:lstStyle/>
           <a:p>
-            <a:r>
-              <a:rPr lang="de-DE" dirty="0"/>
-              <a:t>(See Chapter 6)</a:t>
-            </a:r>
             <a:endParaRPr lang="en-US" dirty="0"/>
           </a:p>
         </p:txBody>
@@ -2925,11 +3161,29 @@
           <a:bodyPr/>
           <a:lstStyle/>
           <a:p>
-            <a:r>
-              <a:rPr lang="de-DE" dirty="0"/>
-              <a:t>(See Chapter 6)</a:t>
-            </a:r>
-            <a:endParaRPr lang="en-US" dirty="0"/>
+            <a:pPr lvl="0">
+              <a:spcBef>
+                <a:spcPts val="600"/>
+              </a:spcBef>
+            </a:pPr>
+            <a:r>
+              <a:rPr lang="en-US" sz="1200" dirty="0">
+                <a:solidFill>
+                  <a:schemeClr val="dk1"/>
+                </a:solidFill>
+                <a:latin typeface="Times"/>
+                <a:cs typeface="Times"/>
+              </a:rPr>
+              <a:t>When searching for literature on the topic of Human-assisted Weapon Systems, we mostly found terms such as Manned-unmanned teaming and Human-autonomy teaming. It is striking that the term Human-autonomy teaming is used more frequently in the latest publications. This is related to advances in the field of autonomous systems in recent years and the resulting potential in the military sector. Manned-unmanned teaming is the collaboration between a system of human inmates and a human remote controlled system without human occupants. In Human-autonomy teaming, the unmanned system is autonomously controlled by an agent or AI and is not remotely controlled by a human operator.</a:t>
+            </a:r>
+            <a:endParaRPr lang="en-US" sz="1200" dirty="0">
+              <a:solidFill>
+                <a:schemeClr val="dk1"/>
+              </a:solidFill>
+              <a:latin typeface="Times"/>
+              <a:cs typeface="Times"/>
+              <a:sym typeface="Times"/>
+            </a:endParaRPr>
           </a:p>
         </p:txBody>
       </p:sp>
@@ -2984,7 +3238,7 @@
     </p:spTree>
     <p:extLst>
       <p:ext uri="{BB962C8B-B14F-4D97-AF65-F5344CB8AC3E}">
-        <p14:creationId xmlns:p14="http://schemas.microsoft.com/office/powerpoint/2010/main" val="1352573266"/>
+        <p14:creationId xmlns:p14="http://schemas.microsoft.com/office/powerpoint/2010/main" val="3167495313"/>
       </p:ext>
     </p:extLst>
   </p:cSld>
@@ -3038,19 +3292,7 @@
           <a:bodyPr/>
           <a:lstStyle/>
           <a:p>
-            <a:r>
-              <a:rPr lang="de-DE" dirty="0"/>
-              <a:t>(See Chapter 6)</a:t>
-            </a:r>
-          </a:p>
-          <a:p>
-            <a:endParaRPr lang="de-DE" dirty="0"/>
-          </a:p>
-          <a:p>
-            <a:r>
-              <a:rPr lang="en-US" dirty="0"/>
-              <a:t>We want to use a Mixed Methods Approach to answer the following Research Questions:</a:t>
-            </a:r>
+            <a:endParaRPr lang="en-US" dirty="0"/>
           </a:p>
         </p:txBody>
       </p:sp>
@@ -20258,35 +20500,96 @@
           <a:lstStyle/>
           <a:p>
             <a:r>
-              <a:rPr lang="en-US" sz="2400" b="1" dirty="0"/>
+              <a:rPr lang="en-US" sz="2600" b="1" dirty="0">
+                <a:latin typeface="Times New Roman" panose="02020603050405020304" pitchFamily="18" charset="0"/>
+                <a:cs typeface="Times New Roman" panose="02020603050405020304" pitchFamily="18" charset="0"/>
+              </a:rPr>
               <a:t>Does the use of autonomous systems have positive effects on military capabilities?</a:t>
             </a:r>
           </a:p>
           <a:p>
-            <a:endParaRPr lang="en-US" sz="2400" dirty="0"/>
-          </a:p>
-          <a:p>
-            <a:r>
-              <a:rPr lang="en-US" sz="2400" dirty="0"/>
-              <a:t>Hypothesis 1: Unmanned Systems can be operated autonomously with the same reliability as Human-operated once in a virtual military scenario.</a:t>
-            </a:r>
-          </a:p>
-          <a:p>
-            <a:endParaRPr lang="en-US" sz="2400" dirty="0"/>
-          </a:p>
-          <a:p>
-            <a:r>
-              <a:rPr lang="en-US" sz="2400" dirty="0"/>
-              <a:t>Hypothesis 2: By using autonomous systems, military missions can be conducted with less human personnel.</a:t>
-            </a:r>
-          </a:p>
-          <a:p>
-            <a:endParaRPr lang="en-US" sz="2400" dirty="0"/>
-          </a:p>
-          <a:p>
-            <a:r>
-              <a:rPr lang="en-US" sz="2400" dirty="0"/>
-              <a:t>Hypothesis 3: The use of autonomous systems could extend the range of military operations.</a:t>
+            <a:endParaRPr lang="en-US" sz="2600" dirty="0">
+              <a:latin typeface="Times New Roman" panose="02020603050405020304" pitchFamily="18" charset="0"/>
+              <a:cs typeface="Times New Roman" panose="02020603050405020304" pitchFamily="18" charset="0"/>
+            </a:endParaRPr>
+          </a:p>
+          <a:p>
+            <a:pPr marL="457200" indent="-457200">
+              <a:buFont typeface="Arial" panose="020B0604020202020204" pitchFamily="34" charset="0"/>
+              <a:buChar char="•"/>
+            </a:pPr>
+            <a:r>
+              <a:rPr lang="en-US" sz="2600" b="1" dirty="0">
+                <a:latin typeface="Times New Roman" panose="02020603050405020304" pitchFamily="18" charset="0"/>
+                <a:cs typeface="Times New Roman" panose="02020603050405020304" pitchFamily="18" charset="0"/>
+              </a:rPr>
+              <a:t>Hypothesis 1</a:t>
+            </a:r>
+            <a:r>
+              <a:rPr lang="en-US" sz="2600" dirty="0">
+                <a:latin typeface="Times New Roman" panose="02020603050405020304" pitchFamily="18" charset="0"/>
+                <a:cs typeface="Times New Roman" panose="02020603050405020304" pitchFamily="18" charset="0"/>
+              </a:rPr>
+              <a:t>: Unmanned Systems can be operated autonomously with the same reliability as Human-operated once in a virtual military scenario.</a:t>
+            </a:r>
+          </a:p>
+          <a:p>
+            <a:endParaRPr lang="en-US" sz="2600" dirty="0">
+              <a:latin typeface="Times New Roman" panose="02020603050405020304" pitchFamily="18" charset="0"/>
+              <a:cs typeface="Times New Roman" panose="02020603050405020304" pitchFamily="18" charset="0"/>
+            </a:endParaRPr>
+          </a:p>
+          <a:p>
+            <a:pPr marL="457200" indent="-457200">
+              <a:buFont typeface="Arial" panose="020B0604020202020204" pitchFamily="34" charset="0"/>
+              <a:buChar char="•"/>
+            </a:pPr>
+            <a:r>
+              <a:rPr lang="en-US" sz="2600" b="1" dirty="0">
+                <a:latin typeface="Times New Roman" panose="02020603050405020304" pitchFamily="18" charset="0"/>
+                <a:cs typeface="Times New Roman" panose="02020603050405020304" pitchFamily="18" charset="0"/>
+              </a:rPr>
+              <a:t>Hypothesis 2</a:t>
+            </a:r>
+            <a:r>
+              <a:rPr lang="en-US" sz="2600" dirty="0">
+                <a:latin typeface="Times New Roman" panose="02020603050405020304" pitchFamily="18" charset="0"/>
+                <a:cs typeface="Times New Roman" panose="02020603050405020304" pitchFamily="18" charset="0"/>
+              </a:rPr>
+              <a:t>: By using autonomous systems, military missions can be conducted with less human personnel.</a:t>
+            </a:r>
+          </a:p>
+          <a:p>
+            <a:endParaRPr lang="en-US" sz="2600" dirty="0">
+              <a:latin typeface="Times New Roman" panose="02020603050405020304" pitchFamily="18" charset="0"/>
+              <a:cs typeface="Times New Roman" panose="02020603050405020304" pitchFamily="18" charset="0"/>
+            </a:endParaRPr>
+          </a:p>
+          <a:p>
+            <a:pPr marL="457200" indent="-457200">
+              <a:buFont typeface="Arial" panose="020B0604020202020204" pitchFamily="34" charset="0"/>
+              <a:buChar char="•"/>
+            </a:pPr>
+            <a:r>
+              <a:rPr lang="en-US" sz="2600" b="1" dirty="0">
+                <a:latin typeface="Times New Roman" panose="02020603050405020304" pitchFamily="18" charset="0"/>
+                <a:cs typeface="Times New Roman" panose="02020603050405020304" pitchFamily="18" charset="0"/>
+              </a:rPr>
+              <a:t>Hypothesis 3: </a:t>
+            </a:r>
+            <a:r>
+              <a:rPr lang="en-US" sz="2600" dirty="0">
+                <a:latin typeface="Times New Roman" panose="02020603050405020304" pitchFamily="18" charset="0"/>
+                <a:cs typeface="Times New Roman" panose="02020603050405020304" pitchFamily="18" charset="0"/>
+              </a:rPr>
+              <a:t>The use of autonomous systems could extend the range of military operations</a:t>
+            </a:r>
+            <a:r>
+              <a:rPr lang="en-US" sz="2400" dirty="0">
+                <a:latin typeface="Times New Roman" panose="02020603050405020304" pitchFamily="18" charset="0"/>
+                <a:cs typeface="Times New Roman" panose="02020603050405020304" pitchFamily="18" charset="0"/>
+              </a:rPr>
+              <a:t>.</a:t>
             </a:r>
           </a:p>
         </p:txBody>
@@ -20461,16 +20764,25 @@
           <a:lstStyle/>
           <a:p>
             <a:r>
-              <a:rPr lang="en-US" sz="2400" b="1" dirty="0"/>
+              <a:rPr lang="en-US" sz="2600" b="1" dirty="0">
+                <a:latin typeface="Times New Roman" panose="02020603050405020304" pitchFamily="18" charset="0"/>
+                <a:cs typeface="Times New Roman" panose="02020603050405020304" pitchFamily="18" charset="0"/>
+              </a:rPr>
               <a:t>Does the use of autonomous systems have positive effects on military capabilities?</a:t>
             </a:r>
           </a:p>
           <a:p>
-            <a:endParaRPr lang="en-US" sz="2400" dirty="0"/>
-          </a:p>
-          <a:p>
-            <a:r>
-              <a:rPr lang="en-US" sz="2400" dirty="0"/>
+            <a:endParaRPr lang="en-US" sz="2600" dirty="0">
+              <a:latin typeface="Times New Roman" panose="02020603050405020304" pitchFamily="18" charset="0"/>
+              <a:cs typeface="Times New Roman" panose="02020603050405020304" pitchFamily="18" charset="0"/>
+            </a:endParaRPr>
+          </a:p>
+          <a:p>
+            <a:r>
+              <a:rPr lang="en-US" sz="2600" dirty="0">
+                <a:latin typeface="Times New Roman" panose="02020603050405020304" pitchFamily="18" charset="0"/>
+                <a:cs typeface="Times New Roman" panose="02020603050405020304" pitchFamily="18" charset="0"/>
+              </a:rPr>
               <a:t>The answer depends on the results of the hypotheses and can therefore only be answered at the end of the project.</a:t>
             </a:r>
           </a:p>
@@ -20646,17 +20958,26 @@
           <a:lstStyle/>
           <a:p>
             <a:r>
-              <a:rPr lang="en-US" sz="2400" b="1" dirty="0"/>
+              <a:rPr lang="en-US" sz="2600" b="1" dirty="0">
+                <a:latin typeface="Times New Roman" panose="02020603050405020304" pitchFamily="18" charset="0"/>
+                <a:cs typeface="Times New Roman" panose="02020603050405020304" pitchFamily="18" charset="0"/>
+              </a:rPr>
               <a:t>Hypothesis 1: Unmanned Systems can be operated autonomously with the same reliability as Human-operated once in a virtual military scenario.</a:t>
             </a:r>
           </a:p>
           <a:p>
-            <a:endParaRPr lang="en-US" sz="2400" dirty="0"/>
-          </a:p>
-          <a:p>
-            <a:r>
-              <a:rPr lang="en-US" sz="2400" dirty="0"/>
-              <a:t>After the first simulation runs, there is evidence that there is no significant difference between the results of experiment A and B. That means unmanned Systems can be operated autonomously with the same Reliability as Human-operated once in a ARMA3-based virtual military scenario.</a:t>
+            <a:endParaRPr lang="en-US" sz="2600" dirty="0">
+              <a:latin typeface="Times New Roman" panose="02020603050405020304" pitchFamily="18" charset="0"/>
+              <a:cs typeface="Times New Roman" panose="02020603050405020304" pitchFamily="18" charset="0"/>
+            </a:endParaRPr>
+          </a:p>
+          <a:p>
+            <a:r>
+              <a:rPr lang="en-US" sz="2600" dirty="0">
+                <a:latin typeface="Times New Roman" panose="02020603050405020304" pitchFamily="18" charset="0"/>
+                <a:cs typeface="Times New Roman" panose="02020603050405020304" pitchFamily="18" charset="0"/>
+              </a:rPr>
+              <a:t>After analyzing early results, there is evidence that there is no significant difference between the results of experiment A and B. That means unmanned Systems can be operated autonomously with the same Reliability as Human-operated once in a ARMA3-based virtual military scenario.</a:t>
             </a:r>
           </a:p>
         </p:txBody>
@@ -20831,23 +21152,38 @@
           <a:lstStyle/>
           <a:p>
             <a:r>
-              <a:rPr lang="en-US" sz="2400" b="1" dirty="0"/>
+              <a:rPr lang="en-US" sz="2600" b="1" dirty="0">
+                <a:latin typeface="Times New Roman" panose="02020603050405020304" pitchFamily="18" charset="0"/>
+                <a:cs typeface="Times New Roman" panose="02020603050405020304" pitchFamily="18" charset="0"/>
+              </a:rPr>
               <a:t>Hypothesis 2: By using autonomous systems, military missions can be conducted with less human personnel.</a:t>
             </a:r>
           </a:p>
           <a:p>
-            <a:endParaRPr lang="en-US" sz="2400" dirty="0"/>
-          </a:p>
-          <a:p>
-            <a:r>
-              <a:rPr lang="de-DE" sz="2400" dirty="0" err="1"/>
+            <a:endParaRPr lang="en-US" sz="2600" dirty="0">
+              <a:latin typeface="Times New Roman" panose="02020603050405020304" pitchFamily="18" charset="0"/>
+              <a:cs typeface="Times New Roman" panose="02020603050405020304" pitchFamily="18" charset="0"/>
+            </a:endParaRPr>
+          </a:p>
+          <a:p>
+            <a:r>
+              <a:rPr lang="de-DE" sz="2600" dirty="0" err="1">
+                <a:latin typeface="Times New Roman" panose="02020603050405020304" pitchFamily="18" charset="0"/>
+                <a:cs typeface="Times New Roman" panose="02020603050405020304" pitchFamily="18" charset="0"/>
+              </a:rPr>
               <a:t>tbd</a:t>
             </a:r>
             <a:r>
-              <a:rPr lang="de-DE" sz="2400" dirty="0"/>
+              <a:rPr lang="de-DE" sz="2600" dirty="0">
+                <a:latin typeface="Times New Roman" panose="02020603050405020304" pitchFamily="18" charset="0"/>
+                <a:cs typeface="Times New Roman" panose="02020603050405020304" pitchFamily="18" charset="0"/>
+              </a:rPr>
               <a:t>.</a:t>
             </a:r>
-            <a:endParaRPr lang="en-US" sz="2400" dirty="0"/>
+            <a:endParaRPr lang="en-US" sz="2600" dirty="0">
+              <a:latin typeface="Times New Roman" panose="02020603050405020304" pitchFamily="18" charset="0"/>
+              <a:cs typeface="Times New Roman" panose="02020603050405020304" pitchFamily="18" charset="0"/>
+            </a:endParaRPr>
           </a:p>
         </p:txBody>
       </p:sp>
@@ -21021,23 +21357,38 @@
           <a:lstStyle/>
           <a:p>
             <a:r>
-              <a:rPr lang="en-US" sz="2400" b="1" dirty="0"/>
+              <a:rPr lang="en-US" sz="2600" b="1" dirty="0">
+                <a:latin typeface="Times New Roman" panose="02020603050405020304" pitchFamily="18" charset="0"/>
+                <a:cs typeface="Times New Roman" panose="02020603050405020304" pitchFamily="18" charset="0"/>
+              </a:rPr>
               <a:t>Hypothesis 3: The use of autonomous systems could extend the range of military operations.</a:t>
             </a:r>
           </a:p>
           <a:p>
-            <a:endParaRPr lang="en-US" sz="2400" dirty="0"/>
-          </a:p>
-          <a:p>
-            <a:r>
-              <a:rPr lang="de-DE" sz="2400" dirty="0" err="1"/>
+            <a:endParaRPr lang="en-US" sz="2600" dirty="0">
+              <a:latin typeface="Times New Roman" panose="02020603050405020304" pitchFamily="18" charset="0"/>
+              <a:cs typeface="Times New Roman" panose="02020603050405020304" pitchFamily="18" charset="0"/>
+            </a:endParaRPr>
+          </a:p>
+          <a:p>
+            <a:r>
+              <a:rPr lang="de-DE" sz="2600" dirty="0" err="1">
+                <a:latin typeface="Times New Roman" panose="02020603050405020304" pitchFamily="18" charset="0"/>
+                <a:cs typeface="Times New Roman" panose="02020603050405020304" pitchFamily="18" charset="0"/>
+              </a:rPr>
               <a:t>tbd</a:t>
             </a:r>
             <a:r>
-              <a:rPr lang="de-DE" sz="2400" dirty="0"/>
+              <a:rPr lang="de-DE" sz="2600" dirty="0">
+                <a:latin typeface="Times New Roman" panose="02020603050405020304" pitchFamily="18" charset="0"/>
+                <a:cs typeface="Times New Roman" panose="02020603050405020304" pitchFamily="18" charset="0"/>
+              </a:rPr>
               <a:t>.</a:t>
             </a:r>
-            <a:endParaRPr lang="en-US" sz="2400" dirty="0"/>
+            <a:endParaRPr lang="en-US" sz="2600" dirty="0">
+              <a:latin typeface="Times New Roman" panose="02020603050405020304" pitchFamily="18" charset="0"/>
+              <a:cs typeface="Times New Roman" panose="02020603050405020304" pitchFamily="18" charset="0"/>
+            </a:endParaRPr>
           </a:p>
         </p:txBody>
       </p:sp>
@@ -21211,9 +21562,247 @@
           <a:lstStyle/>
           <a:p>
             <a:r>
-              <a:rPr lang="de-DE" sz="2000" b="1" dirty="0"/>
+              <a:rPr lang="de-DE" sz="2200" b="1" dirty="0">
+                <a:latin typeface="Times New Roman" panose="02020603050405020304" pitchFamily="18" charset="0"/>
+                <a:cs typeface="Times New Roman" panose="02020603050405020304" pitchFamily="18" charset="0"/>
+              </a:rPr>
               <a:t>Experimental Study Method Plan</a:t>
             </a:r>
+          </a:p>
+          <a:p>
+            <a:pPr marL="342900" indent="-342900">
+              <a:lnSpc>
+                <a:spcPct val="150000"/>
+              </a:lnSpc>
+              <a:buFont typeface="Arial" panose="020B0604020202020204" pitchFamily="34" charset="0"/>
+              <a:buChar char="•"/>
+            </a:pPr>
+            <a:r>
+              <a:rPr lang="de-DE" sz="2200" b="1" dirty="0" err="1">
+                <a:latin typeface="Times New Roman" panose="02020603050405020304" pitchFamily="18" charset="0"/>
+                <a:cs typeface="Times New Roman" panose="02020603050405020304" pitchFamily="18" charset="0"/>
+              </a:rPr>
+              <a:t>Participants</a:t>
+            </a:r>
+            <a:r>
+              <a:rPr lang="de-DE" sz="2200" b="1" dirty="0">
+                <a:latin typeface="Times New Roman" panose="02020603050405020304" pitchFamily="18" charset="0"/>
+                <a:cs typeface="Times New Roman" panose="02020603050405020304" pitchFamily="18" charset="0"/>
+              </a:rPr>
+              <a:t>: </a:t>
+            </a:r>
+            <a:r>
+              <a:rPr lang="de-DE" sz="2200" dirty="0">
+                <a:latin typeface="Times New Roman" panose="02020603050405020304" pitchFamily="18" charset="0"/>
+                <a:cs typeface="Times New Roman" panose="02020603050405020304" pitchFamily="18" charset="0"/>
+              </a:rPr>
+              <a:t>Group4</a:t>
+            </a:r>
+          </a:p>
+          <a:p>
+            <a:pPr marL="342900" indent="-342900">
+              <a:lnSpc>
+                <a:spcPct val="150000"/>
+              </a:lnSpc>
+              <a:buFont typeface="Arial" panose="020B0604020202020204" pitchFamily="34" charset="0"/>
+              <a:buChar char="•"/>
+            </a:pPr>
+            <a:r>
+              <a:rPr lang="de-DE" sz="2200" b="1" dirty="0">
+                <a:latin typeface="Times New Roman" panose="02020603050405020304" pitchFamily="18" charset="0"/>
+                <a:cs typeface="Times New Roman" panose="02020603050405020304" pitchFamily="18" charset="0"/>
+              </a:rPr>
+              <a:t>Independent variables (…): </a:t>
+            </a:r>
+          </a:p>
+          <a:p>
+            <a:r>
+              <a:rPr lang="de-DE" sz="2200" b="1" dirty="0">
+                <a:latin typeface="Times New Roman" panose="02020603050405020304" pitchFamily="18" charset="0"/>
+                <a:cs typeface="Times New Roman" panose="02020603050405020304" pitchFamily="18" charset="0"/>
+              </a:rPr>
+              <a:t>         - </a:t>
+            </a:r>
+            <a:r>
+              <a:rPr lang="en-US" sz="2200" dirty="0">
+                <a:latin typeface="Times New Roman" panose="02020603050405020304" pitchFamily="18" charset="0"/>
+                <a:cs typeface="Times New Roman" panose="02020603050405020304" pitchFamily="18" charset="0"/>
+              </a:rPr>
+              <a:t>Level of autonomy {semi-,supervised-, fully-autonomous}</a:t>
+            </a:r>
+          </a:p>
+          <a:p>
+            <a:r>
+              <a:rPr lang="en-US" sz="2200" dirty="0">
+                <a:latin typeface="Times New Roman" panose="02020603050405020304" pitchFamily="18" charset="0"/>
+                <a:cs typeface="Times New Roman" panose="02020603050405020304" pitchFamily="18" charset="0"/>
+              </a:rPr>
+              <a:t>         - Amount of targets {1..n}</a:t>
+            </a:r>
+          </a:p>
+          <a:p>
+            <a:r>
+              <a:rPr lang="en-US" sz="2200" dirty="0">
+                <a:latin typeface="Times New Roman" panose="02020603050405020304" pitchFamily="18" charset="0"/>
+                <a:cs typeface="Times New Roman" panose="02020603050405020304" pitchFamily="18" charset="0"/>
+              </a:rPr>
+              <a:t>         - Complexity of </a:t>
+            </a:r>
+            <a:r>
+              <a:rPr lang="en-US" sz="2200" dirty="0" err="1">
+                <a:latin typeface="Times New Roman" panose="02020603050405020304" pitchFamily="18" charset="0"/>
+                <a:cs typeface="Times New Roman" panose="02020603050405020304" pitchFamily="18" charset="0"/>
+              </a:rPr>
+              <a:t>Szenario</a:t>
+            </a:r>
+            <a:r>
+              <a:rPr lang="en-US" sz="2200" dirty="0">
+                <a:latin typeface="Times New Roman" panose="02020603050405020304" pitchFamily="18" charset="0"/>
+                <a:cs typeface="Times New Roman" panose="02020603050405020304" pitchFamily="18" charset="0"/>
+              </a:rPr>
+              <a:t> {low, middle, high}</a:t>
+            </a:r>
+          </a:p>
+          <a:p>
+            <a:pPr marL="342900" indent="-342900">
+              <a:lnSpc>
+                <a:spcPct val="150000"/>
+              </a:lnSpc>
+              <a:buFont typeface="Arial" panose="020B0604020202020204" pitchFamily="34" charset="0"/>
+              <a:buChar char="•"/>
+            </a:pPr>
+            <a:r>
+              <a:rPr lang="de-DE" sz="2200" b="1" dirty="0" err="1">
+                <a:latin typeface="Times New Roman" panose="02020603050405020304" pitchFamily="18" charset="0"/>
+                <a:cs typeface="Times New Roman" panose="02020603050405020304" pitchFamily="18" charset="0"/>
+              </a:rPr>
+              <a:t>Dependent</a:t>
+            </a:r>
+            <a:r>
+              <a:rPr lang="de-DE" sz="2200" b="1" dirty="0">
+                <a:latin typeface="Times New Roman" panose="02020603050405020304" pitchFamily="18" charset="0"/>
+                <a:cs typeface="Times New Roman" panose="02020603050405020304" pitchFamily="18" charset="0"/>
+              </a:rPr>
+              <a:t> variables (…):</a:t>
+            </a:r>
+          </a:p>
+          <a:p>
+            <a:r>
+              <a:rPr lang="de-DE" sz="2200" dirty="0">
+                <a:latin typeface="Times New Roman" panose="02020603050405020304" pitchFamily="18" charset="0"/>
+                <a:cs typeface="Times New Roman" panose="02020603050405020304" pitchFamily="18" charset="0"/>
+              </a:rPr>
+              <a:t>         - % </a:t>
+            </a:r>
+            <a:r>
+              <a:rPr lang="de-DE" sz="2200" dirty="0" err="1">
+                <a:latin typeface="Times New Roman" panose="02020603050405020304" pitchFamily="18" charset="0"/>
+                <a:cs typeface="Times New Roman" panose="02020603050405020304" pitchFamily="18" charset="0"/>
+              </a:rPr>
+              <a:t>of</a:t>
+            </a:r>
+            <a:r>
+              <a:rPr lang="de-DE" sz="2200" dirty="0">
+                <a:latin typeface="Times New Roman" panose="02020603050405020304" pitchFamily="18" charset="0"/>
+                <a:cs typeface="Times New Roman" panose="02020603050405020304" pitchFamily="18" charset="0"/>
+              </a:rPr>
+              <a:t> </a:t>
+            </a:r>
+            <a:r>
+              <a:rPr lang="de-DE" sz="2200" dirty="0" err="1">
+                <a:latin typeface="Times New Roman" panose="02020603050405020304" pitchFamily="18" charset="0"/>
+                <a:cs typeface="Times New Roman" panose="02020603050405020304" pitchFamily="18" charset="0"/>
+              </a:rPr>
+              <a:t>destroyed</a:t>
+            </a:r>
+            <a:r>
+              <a:rPr lang="de-DE" sz="2200" dirty="0">
+                <a:latin typeface="Times New Roman" panose="02020603050405020304" pitchFamily="18" charset="0"/>
+                <a:cs typeface="Times New Roman" panose="02020603050405020304" pitchFamily="18" charset="0"/>
+              </a:rPr>
+              <a:t> </a:t>
+            </a:r>
+            <a:r>
+              <a:rPr lang="de-DE" sz="2200" dirty="0" err="1">
+                <a:latin typeface="Times New Roman" panose="02020603050405020304" pitchFamily="18" charset="0"/>
+                <a:cs typeface="Times New Roman" panose="02020603050405020304" pitchFamily="18" charset="0"/>
+              </a:rPr>
+              <a:t>targets</a:t>
+            </a:r>
+            <a:endParaRPr lang="de-DE" sz="2200" dirty="0">
+              <a:latin typeface="Times New Roman" panose="02020603050405020304" pitchFamily="18" charset="0"/>
+              <a:cs typeface="Times New Roman" panose="02020603050405020304" pitchFamily="18" charset="0"/>
+            </a:endParaRPr>
+          </a:p>
+          <a:p>
+            <a:r>
+              <a:rPr lang="de-DE" sz="2200" dirty="0">
+                <a:latin typeface="Times New Roman" panose="02020603050405020304" pitchFamily="18" charset="0"/>
+                <a:cs typeface="Times New Roman" panose="02020603050405020304" pitchFamily="18" charset="0"/>
+              </a:rPr>
+              <a:t>         - Total Mission Time</a:t>
+            </a:r>
+          </a:p>
+          <a:p>
+            <a:r>
+              <a:rPr lang="de-DE" sz="2200" dirty="0">
+                <a:latin typeface="Times New Roman" panose="02020603050405020304" pitchFamily="18" charset="0"/>
+                <a:cs typeface="Times New Roman" panose="02020603050405020304" pitchFamily="18" charset="0"/>
+              </a:rPr>
+              <a:t>         - </a:t>
+            </a:r>
+            <a:r>
+              <a:rPr lang="de-DE" sz="2200" dirty="0" err="1">
+                <a:latin typeface="Times New Roman" panose="02020603050405020304" pitchFamily="18" charset="0"/>
+                <a:cs typeface="Times New Roman" panose="02020603050405020304" pitchFamily="18" charset="0"/>
+              </a:rPr>
+              <a:t>Used</a:t>
+            </a:r>
+            <a:r>
+              <a:rPr lang="de-DE" sz="2200" dirty="0">
+                <a:latin typeface="Times New Roman" panose="02020603050405020304" pitchFamily="18" charset="0"/>
+                <a:cs typeface="Times New Roman" panose="02020603050405020304" pitchFamily="18" charset="0"/>
+              </a:rPr>
+              <a:t> </a:t>
+            </a:r>
+            <a:r>
+              <a:rPr lang="de-DE" sz="2200" dirty="0" err="1">
+                <a:latin typeface="Times New Roman" panose="02020603050405020304" pitchFamily="18" charset="0"/>
+                <a:cs typeface="Times New Roman" panose="02020603050405020304" pitchFamily="18" charset="0"/>
+              </a:rPr>
+              <a:t>Ammunition</a:t>
+            </a:r>
+            <a:r>
+              <a:rPr lang="de-DE" sz="2200" dirty="0">
+                <a:latin typeface="Times New Roman" panose="02020603050405020304" pitchFamily="18" charset="0"/>
+                <a:cs typeface="Times New Roman" panose="02020603050405020304" pitchFamily="18" charset="0"/>
+              </a:rPr>
+              <a:t> per </a:t>
+            </a:r>
+            <a:r>
+              <a:rPr lang="de-DE" sz="2200" dirty="0" err="1">
+                <a:latin typeface="Times New Roman" panose="02020603050405020304" pitchFamily="18" charset="0"/>
+                <a:cs typeface="Times New Roman" panose="02020603050405020304" pitchFamily="18" charset="0"/>
+              </a:rPr>
+              <a:t>target</a:t>
+            </a:r>
+            <a:endParaRPr lang="de-DE" sz="2200" dirty="0">
+              <a:latin typeface="Times New Roman" panose="02020603050405020304" pitchFamily="18" charset="0"/>
+              <a:cs typeface="Times New Roman" panose="02020603050405020304" pitchFamily="18" charset="0"/>
+            </a:endParaRPr>
+          </a:p>
+          <a:p>
+            <a:r>
+              <a:rPr lang="en-US" sz="2200" dirty="0">
+                <a:latin typeface="Times New Roman" panose="02020603050405020304" pitchFamily="18" charset="0"/>
+                <a:cs typeface="Times New Roman" panose="02020603050405020304" pitchFamily="18" charset="0"/>
+              </a:rPr>
+              <a:t>         - Perception of the cognitive workload of the human operator</a:t>
+            </a:r>
+            <a:endParaRPr lang="de-DE" sz="2200" b="1" dirty="0">
+              <a:latin typeface="Times New Roman" panose="02020603050405020304" pitchFamily="18" charset="0"/>
+              <a:cs typeface="Times New Roman" panose="02020603050405020304" pitchFamily="18" charset="0"/>
+            </a:endParaRPr>
           </a:p>
           <a:p>
             <a:pPr marL="342900" indent="-342900">
@@ -21221,159 +21810,24 @@
               <a:buChar char="•"/>
             </a:pPr>
             <a:r>
-              <a:rPr lang="de-DE" sz="2000" b="1" dirty="0" err="1"/>
-              <a:t>Participants</a:t>
-            </a:r>
-            <a:r>
-              <a:rPr lang="de-DE" sz="2000" b="1" dirty="0"/>
-              <a:t>: Group4</a:t>
-            </a:r>
-          </a:p>
-          <a:p>
-            <a:endParaRPr lang="de-DE" sz="2000" b="1" dirty="0"/>
-          </a:p>
-          <a:p>
-            <a:pPr marL="342900" indent="-342900">
-              <a:buFont typeface="Arial" panose="020B0604020202020204" pitchFamily="34" charset="0"/>
-              <a:buChar char="•"/>
-            </a:pPr>
-            <a:r>
-              <a:rPr lang="de-DE" sz="2000" b="1" dirty="0"/>
-              <a:t>Independent variables (…): </a:t>
-            </a:r>
-          </a:p>
-          <a:p>
-            <a:r>
-              <a:rPr lang="de-DE" sz="2000" b="1" dirty="0"/>
-              <a:t>         - </a:t>
-            </a:r>
-            <a:r>
-              <a:rPr lang="en-US" sz="2000" dirty="0"/>
-              <a:t>Level of autonomy {semi-,supervised-, fully-autonomous}</a:t>
-            </a:r>
-          </a:p>
-          <a:p>
-            <a:r>
-              <a:rPr lang="en-US" sz="2000" dirty="0"/>
-              <a:t>         - Amount of targets {1..n}</a:t>
-            </a:r>
-          </a:p>
-          <a:p>
-            <a:r>
-              <a:rPr lang="en-US" sz="2000" dirty="0"/>
-              <a:t>         - Complexity of </a:t>
-            </a:r>
-            <a:r>
-              <a:rPr lang="en-US" sz="2000" dirty="0" err="1"/>
-              <a:t>Szenario</a:t>
-            </a:r>
-            <a:r>
-              <a:rPr lang="en-US" sz="2000" dirty="0"/>
-              <a:t> {low, middle, high}</a:t>
-            </a:r>
-          </a:p>
-          <a:p>
-            <a:endParaRPr lang="en-US" sz="2000" dirty="0"/>
-          </a:p>
-          <a:p>
-            <a:pPr marL="342900" indent="-342900">
-              <a:buFont typeface="Arial" panose="020B0604020202020204" pitchFamily="34" charset="0"/>
-              <a:buChar char="•"/>
-            </a:pPr>
-            <a:r>
-              <a:rPr lang="de-DE" sz="2000" b="1" dirty="0" err="1"/>
-              <a:t>Dependent</a:t>
-            </a:r>
-            <a:r>
-              <a:rPr lang="de-DE" sz="2000" b="1" dirty="0"/>
-              <a:t> variables (…):</a:t>
-            </a:r>
-          </a:p>
-          <a:p>
-            <a:r>
-              <a:rPr lang="de-DE" sz="2000" dirty="0"/>
-              <a:t>         - % </a:t>
-            </a:r>
-            <a:r>
-              <a:rPr lang="de-DE" sz="2000" dirty="0" err="1"/>
-              <a:t>of</a:t>
-            </a:r>
-            <a:r>
-              <a:rPr lang="de-DE" sz="2000" dirty="0"/>
-              <a:t> </a:t>
-            </a:r>
-            <a:r>
-              <a:rPr lang="de-DE" sz="2000" dirty="0" err="1"/>
-              <a:t>destroyed</a:t>
-            </a:r>
-            <a:r>
-              <a:rPr lang="de-DE" sz="2000" dirty="0"/>
-              <a:t> </a:t>
-            </a:r>
-            <a:r>
-              <a:rPr lang="de-DE" sz="2000" dirty="0" err="1"/>
-              <a:t>targets</a:t>
-            </a:r>
-            <a:endParaRPr lang="de-DE" sz="2000" dirty="0"/>
-          </a:p>
-          <a:p>
-            <a:r>
-              <a:rPr lang="de-DE" sz="2000" dirty="0"/>
-              <a:t>         - Total Mission Time</a:t>
-            </a:r>
-          </a:p>
-          <a:p>
-            <a:r>
-              <a:rPr lang="de-DE" sz="2000" dirty="0"/>
-              <a:t>         - </a:t>
-            </a:r>
-            <a:r>
-              <a:rPr lang="de-DE" sz="2000" dirty="0" err="1"/>
-              <a:t>Used</a:t>
-            </a:r>
-            <a:r>
-              <a:rPr lang="de-DE" sz="2000" dirty="0"/>
-              <a:t> </a:t>
-            </a:r>
-            <a:r>
-              <a:rPr lang="de-DE" sz="2000" dirty="0" err="1"/>
-              <a:t>Ammunition</a:t>
-            </a:r>
-            <a:r>
-              <a:rPr lang="de-DE" sz="2000" dirty="0"/>
-              <a:t> per </a:t>
-            </a:r>
-            <a:r>
-              <a:rPr lang="de-DE" sz="2000" dirty="0" err="1"/>
-              <a:t>target</a:t>
-            </a:r>
-            <a:endParaRPr lang="de-DE" sz="2000" dirty="0"/>
-          </a:p>
-          <a:p>
-            <a:r>
-              <a:rPr lang="en-US" sz="2000" dirty="0"/>
-              <a:t>         - Perception of the cognitive workload of the human operator</a:t>
-            </a:r>
-            <a:endParaRPr lang="de-DE" sz="2000" b="1" dirty="0"/>
-          </a:p>
-          <a:p>
-            <a:endParaRPr lang="de-DE" sz="2000" b="1" dirty="0"/>
-          </a:p>
-          <a:p>
-            <a:pPr marL="342900" indent="-342900">
-              <a:buFont typeface="Arial" panose="020B0604020202020204" pitchFamily="34" charset="0"/>
-              <a:buChar char="•"/>
-            </a:pPr>
-            <a:r>
-              <a:rPr lang="de-DE" sz="2000" b="1" dirty="0"/>
+              <a:rPr lang="de-DE" sz="2200" b="1" dirty="0">
+                <a:latin typeface="Times New Roman" panose="02020603050405020304" pitchFamily="18" charset="0"/>
+                <a:cs typeface="Times New Roman" panose="02020603050405020304" pitchFamily="18" charset="0"/>
+              </a:rPr>
               <a:t>Instrumentation and Materials: </a:t>
             </a:r>
             <a:r>
-              <a:rPr lang="en-US" sz="2000" dirty="0"/>
+              <a:rPr lang="en-US" sz="2200" dirty="0">
+                <a:latin typeface="Times New Roman" panose="02020603050405020304" pitchFamily="18" charset="0"/>
+                <a:cs typeface="Times New Roman" panose="02020603050405020304" pitchFamily="18" charset="0"/>
+              </a:rPr>
               <a:t>Military tactical shooter video game</a:t>
             </a:r>
             <a:r>
-              <a:rPr lang="de-DE" sz="2000" dirty="0"/>
+              <a:rPr lang="de-DE" sz="2200" dirty="0">
+                <a:latin typeface="Times New Roman" panose="02020603050405020304" pitchFamily="18" charset="0"/>
+                <a:cs typeface="Times New Roman" panose="02020603050405020304" pitchFamily="18" charset="0"/>
+              </a:rPr>
               <a:t> ARMA3</a:t>
             </a:r>
           </a:p>
@@ -21558,149 +22012,251 @@
           <a:lstStyle/>
           <a:p>
             <a:r>
-              <a:rPr lang="de-DE" sz="2400" b="1" dirty="0"/>
+              <a:rPr lang="de-DE" sz="2600" b="1" dirty="0">
+                <a:latin typeface="Times New Roman" panose="02020603050405020304" pitchFamily="18" charset="0"/>
+                <a:cs typeface="Times New Roman" panose="02020603050405020304" pitchFamily="18" charset="0"/>
+              </a:rPr>
               <a:t>Experimental </a:t>
             </a:r>
             <a:r>
-              <a:rPr lang="de-DE" sz="2400" b="1" dirty="0" err="1"/>
+              <a:rPr lang="de-DE" sz="2600" b="1" dirty="0" err="1">
+                <a:latin typeface="Times New Roman" panose="02020603050405020304" pitchFamily="18" charset="0"/>
+                <a:cs typeface="Times New Roman" panose="02020603050405020304" pitchFamily="18" charset="0"/>
+              </a:rPr>
               <a:t>Procedures</a:t>
             </a:r>
             <a:r>
-              <a:rPr lang="de-DE" sz="2400" b="1" dirty="0"/>
+              <a:rPr lang="de-DE" sz="2600" b="1" dirty="0">
+                <a:latin typeface="Times New Roman" panose="02020603050405020304" pitchFamily="18" charset="0"/>
+                <a:cs typeface="Times New Roman" panose="02020603050405020304" pitchFamily="18" charset="0"/>
+              </a:rPr>
               <a:t> Hypothesis 1:</a:t>
             </a:r>
           </a:p>
           <a:p>
-            <a:endParaRPr lang="de-DE" sz="2400" b="1" dirty="0"/>
+            <a:endParaRPr lang="de-DE" sz="2600" b="1" dirty="0">
+              <a:latin typeface="Times New Roman" panose="02020603050405020304" pitchFamily="18" charset="0"/>
+              <a:cs typeface="Times New Roman" panose="02020603050405020304" pitchFamily="18" charset="0"/>
+            </a:endParaRPr>
           </a:p>
           <a:p>
             <a:pPr marL="457200" indent="-457200">
               <a:buAutoNum type="arabicPeriod"/>
             </a:pPr>
             <a:r>
-              <a:rPr lang="en-US" sz="2400" b="1" dirty="0"/>
+              <a:rPr lang="en-US" sz="2600" b="1" dirty="0">
+                <a:latin typeface="Times New Roman" panose="02020603050405020304" pitchFamily="18" charset="0"/>
+                <a:cs typeface="Times New Roman" panose="02020603050405020304" pitchFamily="18" charset="0"/>
+              </a:rPr>
               <a:t>Modeling of the Scenario</a:t>
             </a:r>
           </a:p>
           <a:p>
             <a:r>
-              <a:rPr lang="en-US" sz="2400" dirty="0"/>
+              <a:rPr lang="en-US" sz="2600" dirty="0">
+                <a:latin typeface="Times New Roman" panose="02020603050405020304" pitchFamily="18" charset="0"/>
+                <a:cs typeface="Times New Roman" panose="02020603050405020304" pitchFamily="18" charset="0"/>
+              </a:rPr>
               <a:t>According to the independent variables</a:t>
             </a:r>
           </a:p>
           <a:p>
-            <a:endParaRPr lang="de-DE" sz="2400" b="1" dirty="0"/>
-          </a:p>
-          <a:p>
-            <a:r>
-              <a:rPr lang="en-US" sz="2400" b="1" dirty="0"/>
+            <a:endParaRPr lang="de-DE" sz="2600" b="1" dirty="0">
+              <a:latin typeface="Times New Roman" panose="02020603050405020304" pitchFamily="18" charset="0"/>
+              <a:cs typeface="Times New Roman" panose="02020603050405020304" pitchFamily="18" charset="0"/>
+            </a:endParaRPr>
+          </a:p>
+          <a:p>
+            <a:r>
+              <a:rPr lang="en-US" sz="2600" b="1" dirty="0">
+                <a:latin typeface="Times New Roman" panose="02020603050405020304" pitchFamily="18" charset="0"/>
+                <a:cs typeface="Times New Roman" panose="02020603050405020304" pitchFamily="18" charset="0"/>
+              </a:rPr>
               <a:t>2. Conducting the simulation experiment</a:t>
             </a:r>
           </a:p>
           <a:p>
             <a:r>
-              <a:rPr lang="de-DE" sz="2400" dirty="0"/>
+              <a:rPr lang="de-DE" sz="2600" dirty="0">
+                <a:latin typeface="Times New Roman" panose="02020603050405020304" pitchFamily="18" charset="0"/>
+                <a:cs typeface="Times New Roman" panose="02020603050405020304" pitchFamily="18" charset="0"/>
+              </a:rPr>
               <a:t>A: semi-</a:t>
             </a:r>
             <a:r>
-              <a:rPr lang="de-DE" sz="2400" dirty="0" err="1"/>
+              <a:rPr lang="de-DE" sz="2600" dirty="0" err="1">
+                <a:latin typeface="Times New Roman" panose="02020603050405020304" pitchFamily="18" charset="0"/>
+                <a:cs typeface="Times New Roman" panose="02020603050405020304" pitchFamily="18" charset="0"/>
+              </a:rPr>
               <a:t>autonomous</a:t>
             </a:r>
             <a:r>
-              <a:rPr lang="de-DE" sz="2400" dirty="0"/>
+              <a:rPr lang="de-DE" sz="2600" dirty="0">
+                <a:latin typeface="Times New Roman" panose="02020603050405020304" pitchFamily="18" charset="0"/>
+                <a:cs typeface="Times New Roman" panose="02020603050405020304" pitchFamily="18" charset="0"/>
+              </a:rPr>
               <a:t> </a:t>
             </a:r>
             <a:r>
-              <a:rPr lang="de-DE" sz="2400" dirty="0" err="1"/>
+              <a:rPr lang="de-DE" sz="2600" dirty="0" err="1">
+                <a:latin typeface="Times New Roman" panose="02020603050405020304" pitchFamily="18" charset="0"/>
+                <a:cs typeface="Times New Roman" panose="02020603050405020304" pitchFamily="18" charset="0"/>
+              </a:rPr>
               <a:t>operation</a:t>
             </a:r>
             <a:r>
-              <a:rPr lang="de-DE" sz="2400" dirty="0"/>
+              <a:rPr lang="de-DE" sz="2600" dirty="0">
+                <a:latin typeface="Times New Roman" panose="02020603050405020304" pitchFamily="18" charset="0"/>
+                <a:cs typeface="Times New Roman" panose="02020603050405020304" pitchFamily="18" charset="0"/>
+              </a:rPr>
               <a:t> (30 </a:t>
             </a:r>
             <a:r>
-              <a:rPr lang="de-DE" sz="2400" dirty="0" err="1"/>
+              <a:rPr lang="de-DE" sz="2600" dirty="0" err="1">
+                <a:latin typeface="Times New Roman" panose="02020603050405020304" pitchFamily="18" charset="0"/>
+                <a:cs typeface="Times New Roman" panose="02020603050405020304" pitchFamily="18" charset="0"/>
+              </a:rPr>
               <a:t>runs</a:t>
             </a:r>
             <a:r>
-              <a:rPr lang="de-DE" sz="2400" dirty="0"/>
+              <a:rPr lang="de-DE" sz="2600" dirty="0">
+                <a:latin typeface="Times New Roman" panose="02020603050405020304" pitchFamily="18" charset="0"/>
+                <a:cs typeface="Times New Roman" panose="02020603050405020304" pitchFamily="18" charset="0"/>
+              </a:rPr>
               <a:t>)</a:t>
             </a:r>
           </a:p>
           <a:p>
             <a:r>
-              <a:rPr lang="de-DE" sz="2400" dirty="0"/>
+              <a:rPr lang="de-DE" sz="2600" dirty="0">
+                <a:latin typeface="Times New Roman" panose="02020603050405020304" pitchFamily="18" charset="0"/>
+                <a:cs typeface="Times New Roman" panose="02020603050405020304" pitchFamily="18" charset="0"/>
+              </a:rPr>
               <a:t>B: </a:t>
             </a:r>
             <a:r>
-              <a:rPr lang="de-DE" sz="2400" dirty="0" err="1"/>
+              <a:rPr lang="de-DE" sz="2600" dirty="0" err="1">
+                <a:latin typeface="Times New Roman" panose="02020603050405020304" pitchFamily="18" charset="0"/>
+                <a:cs typeface="Times New Roman" panose="02020603050405020304" pitchFamily="18" charset="0"/>
+              </a:rPr>
               <a:t>supervised</a:t>
             </a:r>
             <a:r>
-              <a:rPr lang="de-DE" sz="2400" dirty="0"/>
+              <a:rPr lang="de-DE" sz="2600" dirty="0">
+                <a:latin typeface="Times New Roman" panose="02020603050405020304" pitchFamily="18" charset="0"/>
+                <a:cs typeface="Times New Roman" panose="02020603050405020304" pitchFamily="18" charset="0"/>
+              </a:rPr>
               <a:t> </a:t>
             </a:r>
             <a:r>
-              <a:rPr lang="de-DE" sz="2400" dirty="0" err="1"/>
+              <a:rPr lang="de-DE" sz="2600" dirty="0" err="1">
+                <a:latin typeface="Times New Roman" panose="02020603050405020304" pitchFamily="18" charset="0"/>
+                <a:cs typeface="Times New Roman" panose="02020603050405020304" pitchFamily="18" charset="0"/>
+              </a:rPr>
               <a:t>autonomous</a:t>
             </a:r>
             <a:r>
-              <a:rPr lang="de-DE" sz="2400" dirty="0"/>
+              <a:rPr lang="de-DE" sz="2600" dirty="0">
+                <a:latin typeface="Times New Roman" panose="02020603050405020304" pitchFamily="18" charset="0"/>
+                <a:cs typeface="Times New Roman" panose="02020603050405020304" pitchFamily="18" charset="0"/>
+              </a:rPr>
               <a:t> </a:t>
             </a:r>
             <a:r>
-              <a:rPr lang="de-DE" sz="2400" dirty="0" err="1"/>
+              <a:rPr lang="de-DE" sz="2600" dirty="0" err="1">
+                <a:latin typeface="Times New Roman" panose="02020603050405020304" pitchFamily="18" charset="0"/>
+                <a:cs typeface="Times New Roman" panose="02020603050405020304" pitchFamily="18" charset="0"/>
+              </a:rPr>
               <a:t>operation</a:t>
             </a:r>
             <a:r>
-              <a:rPr lang="de-DE" sz="2400" dirty="0"/>
+              <a:rPr lang="de-DE" sz="2600" dirty="0">
+                <a:latin typeface="Times New Roman" panose="02020603050405020304" pitchFamily="18" charset="0"/>
+                <a:cs typeface="Times New Roman" panose="02020603050405020304" pitchFamily="18" charset="0"/>
+              </a:rPr>
               <a:t> (30 </a:t>
             </a:r>
             <a:r>
-              <a:rPr lang="de-DE" sz="2400" dirty="0" err="1"/>
+              <a:rPr lang="de-DE" sz="2600" dirty="0" err="1">
+                <a:latin typeface="Times New Roman" panose="02020603050405020304" pitchFamily="18" charset="0"/>
+                <a:cs typeface="Times New Roman" panose="02020603050405020304" pitchFamily="18" charset="0"/>
+              </a:rPr>
               <a:t>runs</a:t>
             </a:r>
             <a:r>
-              <a:rPr lang="de-DE" sz="2400" dirty="0"/>
+              <a:rPr lang="de-DE" sz="2600" dirty="0">
+                <a:latin typeface="Times New Roman" panose="02020603050405020304" pitchFamily="18" charset="0"/>
+                <a:cs typeface="Times New Roman" panose="02020603050405020304" pitchFamily="18" charset="0"/>
+              </a:rPr>
               <a:t>) </a:t>
             </a:r>
-            <a:endParaRPr lang="en-US" sz="2400" b="1" dirty="0"/>
-          </a:p>
-          <a:p>
-            <a:endParaRPr lang="de-DE" sz="2400" b="1" dirty="0"/>
-          </a:p>
-          <a:p>
-            <a:r>
-              <a:rPr lang="de-DE" sz="2400" b="1" dirty="0"/>
+            <a:endParaRPr lang="en-US" sz="2600" b="1" dirty="0">
+              <a:latin typeface="Times New Roman" panose="02020603050405020304" pitchFamily="18" charset="0"/>
+              <a:cs typeface="Times New Roman" panose="02020603050405020304" pitchFamily="18" charset="0"/>
+            </a:endParaRPr>
+          </a:p>
+          <a:p>
+            <a:endParaRPr lang="de-DE" sz="2600" b="1" dirty="0">
+              <a:latin typeface="Times New Roman" panose="02020603050405020304" pitchFamily="18" charset="0"/>
+              <a:cs typeface="Times New Roman" panose="02020603050405020304" pitchFamily="18" charset="0"/>
+            </a:endParaRPr>
+          </a:p>
+          <a:p>
+            <a:r>
+              <a:rPr lang="de-DE" sz="2600" b="1" dirty="0">
+                <a:latin typeface="Times New Roman" panose="02020603050405020304" pitchFamily="18" charset="0"/>
+                <a:cs typeface="Times New Roman" panose="02020603050405020304" pitchFamily="18" charset="0"/>
+              </a:rPr>
               <a:t>3. </a:t>
             </a:r>
             <a:r>
-              <a:rPr lang="de-DE" sz="2400" b="1" dirty="0" err="1"/>
+              <a:rPr lang="de-DE" sz="2600" b="1" dirty="0" err="1">
+                <a:latin typeface="Times New Roman" panose="02020603050405020304" pitchFamily="18" charset="0"/>
+                <a:cs typeface="Times New Roman" panose="02020603050405020304" pitchFamily="18" charset="0"/>
+              </a:rPr>
               <a:t>Analyzing</a:t>
             </a:r>
             <a:r>
-              <a:rPr lang="de-DE" sz="2400" b="1" dirty="0"/>
+              <a:rPr lang="de-DE" sz="2600" b="1" dirty="0">
+                <a:latin typeface="Times New Roman" panose="02020603050405020304" pitchFamily="18" charset="0"/>
+                <a:cs typeface="Times New Roman" panose="02020603050405020304" pitchFamily="18" charset="0"/>
+              </a:rPr>
               <a:t> </a:t>
             </a:r>
             <a:r>
-              <a:rPr lang="de-DE" sz="2400" b="1" dirty="0" err="1"/>
+              <a:rPr lang="de-DE" sz="2600" b="1" dirty="0" err="1">
+                <a:latin typeface="Times New Roman" panose="02020603050405020304" pitchFamily="18" charset="0"/>
+                <a:cs typeface="Times New Roman" panose="02020603050405020304" pitchFamily="18" charset="0"/>
+              </a:rPr>
               <a:t>the</a:t>
             </a:r>
             <a:r>
-              <a:rPr lang="de-DE" sz="2400" b="1" dirty="0"/>
+              <a:rPr lang="de-DE" sz="2600" b="1" dirty="0">
+                <a:latin typeface="Times New Roman" panose="02020603050405020304" pitchFamily="18" charset="0"/>
+                <a:cs typeface="Times New Roman" panose="02020603050405020304" pitchFamily="18" charset="0"/>
+              </a:rPr>
               <a:t> Data.</a:t>
             </a:r>
           </a:p>
           <a:p>
             <a:r>
-              <a:rPr lang="en-US" sz="2400" dirty="0"/>
+              <a:rPr lang="en-US" sz="2600" dirty="0">
+                <a:latin typeface="Times New Roman" panose="02020603050405020304" pitchFamily="18" charset="0"/>
+                <a:cs typeface="Times New Roman" panose="02020603050405020304" pitchFamily="18" charset="0"/>
+              </a:rPr>
               <a:t>Statistical hypothesis test using the software "R“ to compare results of the experiment </a:t>
             </a:r>
             <a:r>
-              <a:rPr lang="de-DE" sz="2400" dirty="0"/>
+              <a:rPr lang="de-DE" sz="2600" dirty="0">
+                <a:latin typeface="Times New Roman" panose="02020603050405020304" pitchFamily="18" charset="0"/>
+                <a:cs typeface="Times New Roman" panose="02020603050405020304" pitchFamily="18" charset="0"/>
+              </a:rPr>
               <a:t>A and B. </a:t>
             </a:r>
-            <a:endParaRPr lang="de-DE" sz="2400" b="1" dirty="0"/>
+            <a:endParaRPr lang="de-DE" sz="2600" b="1" dirty="0">
+              <a:latin typeface="Times New Roman" panose="02020603050405020304" pitchFamily="18" charset="0"/>
+              <a:cs typeface="Times New Roman" panose="02020603050405020304" pitchFamily="18" charset="0"/>
+            </a:endParaRPr>
           </a:p>
           <a:p>
             <a:endParaRPr lang="de-DE" sz="2400" b="1" dirty="0"/>
@@ -21912,7 +22468,7 @@
                 <a:latin typeface="Times"/>
                 <a:cs typeface="Times"/>
               </a:rPr>
-              <a:t>Presentation</a:t>
+              <a:t>presentation</a:t>
             </a:r>
             <a:r>
               <a:rPr lang="de-DE" sz="2400" b="1" dirty="0">
@@ -21961,7 +22517,47 @@
                 <a:latin typeface="Times"/>
                 <a:cs typeface="Times"/>
               </a:rPr>
-              <a:t> Slide Content NLT 10/23/2018</a:t>
+              <a:t> </a:t>
+            </a:r>
+            <a:r>
+              <a:rPr lang="de-DE" sz="2400" dirty="0" err="1">
+                <a:solidFill>
+                  <a:schemeClr val="dk1"/>
+                </a:solidFill>
+                <a:latin typeface="Times"/>
+                <a:cs typeface="Times"/>
+              </a:rPr>
+              <a:t>slide</a:t>
+            </a:r>
+            <a:r>
+              <a:rPr lang="de-DE" sz="2400" dirty="0">
+                <a:solidFill>
+                  <a:schemeClr val="dk1"/>
+                </a:solidFill>
+                <a:latin typeface="Times"/>
+                <a:cs typeface="Times"/>
+              </a:rPr>
+              <a:t> </a:t>
+            </a:r>
+            <a:r>
+              <a:rPr lang="de-DE" sz="2400" dirty="0" err="1">
+                <a:solidFill>
+                  <a:schemeClr val="dk1"/>
+                </a:solidFill>
+                <a:latin typeface="Times"/>
+                <a:cs typeface="Times"/>
+              </a:rPr>
+              <a:t>content</a:t>
+            </a:r>
+            <a:r>
+              <a:rPr lang="de-DE" sz="2400" dirty="0">
+                <a:solidFill>
+                  <a:schemeClr val="dk1"/>
+                </a:solidFill>
+                <a:latin typeface="Times"/>
+                <a:cs typeface="Times"/>
+              </a:rPr>
+              <a:t> NLT 10/23/2018</a:t>
             </a:r>
           </a:p>
           <a:p>
@@ -22000,7 +22596,7 @@
                 <a:latin typeface="Times"/>
                 <a:cs typeface="Times"/>
               </a:rPr>
-              <a:t>Slides</a:t>
+              <a:t>slides</a:t>
             </a:r>
             <a:r>
               <a:rPr lang="de-DE" sz="2400" dirty="0">
@@ -22059,7 +22655,7 @@
                 <a:latin typeface="Times"/>
                 <a:cs typeface="Times"/>
               </a:rPr>
-              <a:t>Slides</a:t>
+              <a:t>slides</a:t>
             </a:r>
             <a:r>
               <a:rPr lang="de-DE" sz="2400" dirty="0">
@@ -22205,7 +22801,7 @@
                 <a:latin typeface="Times"/>
                 <a:cs typeface="Times"/>
               </a:rPr>
-              <a:t>Presentation</a:t>
+              <a:t>presentation</a:t>
             </a:r>
             <a:r>
               <a:rPr lang="de-DE" sz="2400" b="1" dirty="0">
@@ -22244,7 +22840,47 @@
                 <a:latin typeface="Times"/>
                 <a:cs typeface="Times"/>
               </a:rPr>
-              <a:t> Research Methodologie NLT 11/29/2018</a:t>
+              <a:t> </a:t>
+            </a:r>
+            <a:r>
+              <a:rPr lang="de-DE" sz="2400" dirty="0" err="1">
+                <a:solidFill>
+                  <a:schemeClr val="dk1"/>
+                </a:solidFill>
+                <a:latin typeface="Times"/>
+                <a:cs typeface="Times"/>
+              </a:rPr>
+              <a:t>research</a:t>
+            </a:r>
+            <a:r>
+              <a:rPr lang="de-DE" sz="2400" dirty="0">
+                <a:solidFill>
+                  <a:schemeClr val="dk1"/>
+                </a:solidFill>
+                <a:latin typeface="Times"/>
+                <a:cs typeface="Times"/>
+              </a:rPr>
+              <a:t> </a:t>
+            </a:r>
+            <a:r>
+              <a:rPr lang="de-DE" sz="2400" dirty="0" err="1">
+                <a:solidFill>
+                  <a:schemeClr val="dk1"/>
+                </a:solidFill>
+                <a:latin typeface="Times"/>
+                <a:cs typeface="Times"/>
+              </a:rPr>
+              <a:t>methodologie</a:t>
+            </a:r>
+            <a:r>
+              <a:rPr lang="de-DE" sz="2400" dirty="0">
+                <a:solidFill>
+                  <a:schemeClr val="dk1"/>
+                </a:solidFill>
+                <a:latin typeface="Times"/>
+                <a:cs typeface="Times"/>
+              </a:rPr>
+              <a:t> NLT 11/29/2018</a:t>
             </a:r>
           </a:p>
           <a:p>
@@ -22263,10 +22899,30 @@
                 <a:latin typeface="Times"/>
                 <a:cs typeface="Times"/>
               </a:rPr>
-              <a:t>Qualitative Research </a:t>
+              <a:t>Qualitative </a:t>
             </a:r>
             <a:r>
               <a:rPr lang="de-DE" sz="2400" dirty="0" err="1">
+                <a:solidFill>
+                  <a:schemeClr val="dk1"/>
+                </a:solidFill>
+                <a:latin typeface="Times"/>
+                <a:cs typeface="Times"/>
+              </a:rPr>
+              <a:t>research</a:t>
+            </a:r>
+            <a:r>
+              <a:rPr lang="de-DE" sz="2400" dirty="0">
+                <a:solidFill>
+                  <a:schemeClr val="dk1"/>
+                </a:solidFill>
+                <a:latin typeface="Times"/>
+                <a:cs typeface="Times"/>
+              </a:rPr>
+              <a:t> </a:t>
+            </a:r>
+            <a:r>
+              <a:rPr lang="en-US" sz="2400" dirty="0">
                 <a:solidFill>
                   <a:schemeClr val="dk1"/>
                 </a:solidFill>
@@ -22302,7 +22958,27 @@
                 <a:latin typeface="Times"/>
                 <a:cs typeface="Times"/>
               </a:rPr>
-              <a:t>Quantitative Research </a:t>
+              <a:t>Quantitative </a:t>
+            </a:r>
+            <a:r>
+              <a:rPr lang="de-DE" sz="2400" dirty="0" err="1">
+                <a:solidFill>
+                  <a:schemeClr val="dk1"/>
+                </a:solidFill>
+                <a:latin typeface="Times"/>
+                <a:cs typeface="Times"/>
+              </a:rPr>
+              <a:t>research</a:t>
+            </a:r>
+            <a:r>
+              <a:rPr lang="de-DE" sz="2400" dirty="0">
+                <a:solidFill>
+                  <a:schemeClr val="dk1"/>
+                </a:solidFill>
+                <a:latin typeface="Times"/>
+                <a:cs typeface="Times"/>
+              </a:rPr>
+              <a:t> </a:t>
             </a:r>
             <a:r>
               <a:rPr lang="de-DE" sz="2400" dirty="0" err="1">
@@ -22361,7 +23037,17 @@
                 <a:latin typeface="Times"/>
                 <a:cs typeface="Times"/>
               </a:rPr>
-              <a:t>Documentary</a:t>
+              <a:t>documentary</a:t>
+            </a:r>
+            <a:r>
+              <a:rPr lang="de-DE" sz="2400">
+                <a:solidFill>
+                  <a:schemeClr val="dk1"/>
+                </a:solidFill>
+                <a:latin typeface="Times"/>
+                <a:cs typeface="Times"/>
+              </a:rPr>
+              <a:t> </a:t>
             </a:r>
             <a:r>
               <a:rPr lang="de-DE" sz="2400" dirty="0">
@@ -22371,7 +23057,7 @@
                 <a:latin typeface="Times"/>
                 <a:cs typeface="Times"/>
               </a:rPr>
-              <a:t> NLT 12/03/2018</a:t>
+              <a:t>NLT 12/03/2018</a:t>
             </a:r>
           </a:p>
           <a:p>
@@ -22863,8 +23549,8 @@
         </p:nvSpPr>
         <p:spPr>
           <a:xfrm>
-            <a:off x="228600" y="228600"/>
-            <a:ext cx="8676409" cy="5909310"/>
+            <a:off x="0" y="228600"/>
+            <a:ext cx="9109075" cy="5909310"/>
           </a:xfrm>
           <a:prstGeom prst="rect">
             <a:avLst/>
@@ -22894,14 +23580,19 @@
                 <a:solidFill>
                   <a:schemeClr val="dk1"/>
                 </a:solidFill>
-                <a:latin typeface="Times"/>
-                <a:ea typeface="Times"/>
-                <a:cs typeface="Times"/>
+                <a:latin typeface="Times" panose="02020603050405020304" pitchFamily="18" charset="0"/>
+                <a:cs typeface="Times" panose="02020603050405020304" pitchFamily="18" charset="0"/>
                 <a:sym typeface="Times"/>
               </a:rPr>
               <a:t>References</a:t>
             </a:r>
-            <a:endParaRPr sz="2800" dirty="0"/>
+            <a:endParaRPr sz="2800" b="1" dirty="0">
+              <a:solidFill>
+                <a:schemeClr val="dk1"/>
+              </a:solidFill>
+              <a:latin typeface="Times" panose="02020603050405020304" pitchFamily="18" charset="0"/>
+              <a:cs typeface="Times" panose="02020603050405020304" pitchFamily="18" charset="0"/>
+            </a:endParaRPr>
           </a:p>
           <a:p>
             <a:pPr marL="0" marR="0" lvl="0" indent="0" algn="l" rtl="0">
@@ -22913,7 +23604,7 @@
               </a:spcAft>
               <a:buNone/>
             </a:pPr>
-            <a:endParaRPr sz="1000" dirty="0">
+            <a:endParaRPr lang="de-DE" sz="1050" dirty="0">
               <a:solidFill>
                 <a:schemeClr val="dk1"/>
               </a:solidFill>
@@ -22924,37 +23615,40 @@
             </a:endParaRPr>
           </a:p>
           <a:p>
-            <a:r>
-              <a:rPr lang="en-US" sz="1000" dirty="0"/>
+            <a:pPr marL="0" marR="0" lvl="0" indent="0" algn="l" rtl="0">
+              <a:spcBef>
+                <a:spcPts val="0"/>
+              </a:spcBef>
+              <a:spcAft>
+                <a:spcPts val="0"/>
+              </a:spcAft>
+              <a:buNone/>
+            </a:pPr>
+            <a:endParaRPr lang="de-DE" sz="1050" dirty="0">
+              <a:solidFill>
+                <a:schemeClr val="dk1"/>
+              </a:solidFill>
+              <a:latin typeface="Times"/>
+              <a:ea typeface="Times"/>
+              <a:cs typeface="Times"/>
+              <a:sym typeface="Times"/>
+            </a:endParaRPr>
+          </a:p>
+          <a:p>
+            <a:endParaRPr lang="en-US" sz="1050" dirty="0"/>
+          </a:p>
+          <a:p>
+            <a:r>
+              <a:rPr lang="en-US" sz="1050" dirty="0"/>
               <a:t>	</a:t>
             </a:r>
-          </a:p>
-          <a:p>
-            <a:r>
-              <a:rPr lang="en-US" sz="1000" dirty="0"/>
-              <a:t>	</a:t>
-            </a:r>
-          </a:p>
-          <a:p>
-            <a:endParaRPr lang="en-US" sz="1000" dirty="0">
-              <a:solidFill>
-                <a:schemeClr val="tx1"/>
-              </a:solidFill>
-              <a:hlinkClick r:id="rId3">
-                <a:extLst>
-                  <a:ext uri="{A12FA001-AC4F-418D-AE19-62706E023703}">
-                    <ahyp:hlinkClr xmlns:ahyp="http://schemas.microsoft.com/office/drawing/2018/hyperlinkcolor" val="tx"/>
-                  </a:ext>
-                </a:extLst>
-              </a:hlinkClick>
-            </a:endParaRPr>
-          </a:p>
-          <a:p>
-            <a:r>
-              <a:rPr lang="en-US" sz="1000" dirty="0">
+            <a:r>
+              <a:rPr lang="en-US" sz="1200" dirty="0">
                 <a:solidFill>
                   <a:schemeClr val="tx1"/>
                 </a:solidFill>
+                <a:latin typeface="Times New Roman" panose="02020603050405020304" pitchFamily="18" charset="0"/>
+                <a:cs typeface="Times New Roman" panose="02020603050405020304" pitchFamily="18" charset="0"/>
                 <a:hlinkClick r:id="rId3">
                   <a:extLst>
                     <a:ext uri="{A12FA001-AC4F-418D-AE19-62706E023703}">
@@ -22963,35 +23657,24 @@
                   </a:extLst>
                 </a:hlinkClick>
               </a:rPr>
-              <a:t>	</a:t>
-            </a:r>
-            <a:r>
-              <a:rPr lang="en-US" sz="1050" dirty="0">
-                <a:solidFill>
-                  <a:schemeClr val="tx1"/>
-                </a:solidFill>
-                <a:hlinkClick r:id="rId3">
-                  <a:extLst>
-                    <a:ext uri="{A12FA001-AC4F-418D-AE19-62706E023703}">
-                      <ahyp:hlinkClr xmlns:ahyp="http://schemas.microsoft.com/office/drawing/2018/hyperlinkcolor" val="tx"/>
-                    </a:ext>
-                  </a:extLst>
-                </a:hlinkClick>
-              </a:rPr>
               <a:t>Chen, J. Y., &amp; Barnes, M. J. (2014). Human–agent teaming for multirobot control: A review of human factors issues. IEEE Transactions on Human-Machine Systems, 44(1), 13-29.</a:t>
             </a:r>
-            <a:endParaRPr lang="en-US" sz="1050" dirty="0">
+            <a:endParaRPr lang="en-US" sz="1200" dirty="0">
               <a:solidFill>
                 <a:schemeClr val="tx1"/>
               </a:solidFill>
+              <a:latin typeface="Times New Roman" panose="02020603050405020304" pitchFamily="18" charset="0"/>
+              <a:cs typeface="Times New Roman" panose="02020603050405020304" pitchFamily="18" charset="0"/>
             </a:endParaRPr>
           </a:p>
           <a:p>
             <a:r>
-              <a:rPr lang="en-US" sz="1050" dirty="0">
+              <a:rPr lang="en-US" sz="1200" dirty="0">
                 <a:solidFill>
                   <a:schemeClr val="tx1"/>
                 </a:solidFill>
+                <a:latin typeface="Times New Roman" panose="02020603050405020304" pitchFamily="18" charset="0"/>
+                <a:cs typeface="Times New Roman" panose="02020603050405020304" pitchFamily="18" charset="0"/>
                 <a:hlinkClick r:id="rId4">
                   <a:extLst>
                     <a:ext uri="{A12FA001-AC4F-418D-AE19-62706E023703}">
@@ -23002,18 +23685,22 @@
               </a:rPr>
               <a:t>	Chen, J. Y. (2018). Human-autonomy teaming in military settings. Theoretical Issues in Ergonomics Science, 19(3), 255-258.</a:t>
             </a:r>
-            <a:endParaRPr lang="en-US" sz="1050" dirty="0">
+            <a:endParaRPr lang="en-US" sz="1200" dirty="0">
               <a:solidFill>
                 <a:schemeClr val="tx1"/>
               </a:solidFill>
+              <a:latin typeface="Times New Roman" panose="02020603050405020304" pitchFamily="18" charset="0"/>
+              <a:cs typeface="Times New Roman" panose="02020603050405020304" pitchFamily="18" charset="0"/>
             </a:endParaRPr>
           </a:p>
           <a:p>
             <a:r>
-              <a:rPr lang="en-US" sz="1050" dirty="0">
+              <a:rPr lang="en-US" sz="1200" dirty="0">
                 <a:solidFill>
                   <a:schemeClr val="tx1"/>
                 </a:solidFill>
+                <a:latin typeface="Times New Roman" panose="02020603050405020304" pitchFamily="18" charset="0"/>
+                <a:cs typeface="Times New Roman" panose="02020603050405020304" pitchFamily="18" charset="0"/>
                 <a:hlinkClick r:id="rId5">
                   <a:extLst>
                     <a:ext uri="{A12FA001-AC4F-418D-AE19-62706E023703}">
@@ -23025,10 +23712,12 @@
               <a:t>	Chen, J. Y., </a:t>
             </a:r>
             <a:r>
-              <a:rPr lang="en-US" sz="1050" dirty="0" err="1">
+              <a:rPr lang="en-US" sz="1200" dirty="0" err="1">
                 <a:solidFill>
                   <a:schemeClr val="tx1"/>
                 </a:solidFill>
+                <a:latin typeface="Times New Roman" panose="02020603050405020304" pitchFamily="18" charset="0"/>
+                <a:cs typeface="Times New Roman" panose="02020603050405020304" pitchFamily="18" charset="0"/>
                 <a:hlinkClick r:id="rId5">
                   <a:extLst>
                     <a:ext uri="{A12FA001-AC4F-418D-AE19-62706E023703}">
@@ -23040,10 +23729,12 @@
               <a:t>Lakhmani</a:t>
             </a:r>
             <a:r>
-              <a:rPr lang="en-US" sz="1050" dirty="0">
+              <a:rPr lang="en-US" sz="1200" dirty="0">
                 <a:solidFill>
                   <a:schemeClr val="tx1"/>
                 </a:solidFill>
+                <a:latin typeface="Times New Roman" panose="02020603050405020304" pitchFamily="18" charset="0"/>
+                <a:cs typeface="Times New Roman" panose="02020603050405020304" pitchFamily="18" charset="0"/>
                 <a:hlinkClick r:id="rId5">
                   <a:extLst>
                     <a:ext uri="{A12FA001-AC4F-418D-AE19-62706E023703}">
@@ -23055,10 +23746,12 @@
               <a:t>, S. G., </a:t>
             </a:r>
             <a:r>
-              <a:rPr lang="en-US" sz="1050" dirty="0" err="1">
+              <a:rPr lang="en-US" sz="1200" dirty="0" err="1">
                 <a:solidFill>
                   <a:schemeClr val="tx1"/>
                 </a:solidFill>
+                <a:latin typeface="Times New Roman" panose="02020603050405020304" pitchFamily="18" charset="0"/>
+                <a:cs typeface="Times New Roman" panose="02020603050405020304" pitchFamily="18" charset="0"/>
                 <a:hlinkClick r:id="rId5">
                   <a:extLst>
                     <a:ext uri="{A12FA001-AC4F-418D-AE19-62706E023703}">
@@ -23070,10 +23763,12 @@
               <a:t>Stowers</a:t>
             </a:r>
             <a:r>
-              <a:rPr lang="en-US" sz="1050" dirty="0">
+              <a:rPr lang="en-US" sz="1200" dirty="0">
                 <a:solidFill>
                   <a:schemeClr val="tx1"/>
                 </a:solidFill>
+                <a:latin typeface="Times New Roman" panose="02020603050405020304" pitchFamily="18" charset="0"/>
+                <a:cs typeface="Times New Roman" panose="02020603050405020304" pitchFamily="18" charset="0"/>
                 <a:hlinkClick r:id="rId5">
                   <a:extLst>
                     <a:ext uri="{A12FA001-AC4F-418D-AE19-62706E023703}">
@@ -23085,10 +23780,12 @@
               <a:t>, K., </a:t>
             </a:r>
             <a:r>
-              <a:rPr lang="en-US" sz="1050" dirty="0" err="1">
+              <a:rPr lang="en-US" sz="1200" dirty="0" err="1">
                 <a:solidFill>
                   <a:schemeClr val="tx1"/>
                 </a:solidFill>
+                <a:latin typeface="Times New Roman" panose="02020603050405020304" pitchFamily="18" charset="0"/>
+                <a:cs typeface="Times New Roman" panose="02020603050405020304" pitchFamily="18" charset="0"/>
                 <a:hlinkClick r:id="rId5">
                   <a:extLst>
                     <a:ext uri="{A12FA001-AC4F-418D-AE19-62706E023703}">
@@ -23100,10 +23797,12 @@
               <a:t>Selkowitz</a:t>
             </a:r>
             <a:r>
-              <a:rPr lang="en-US" sz="1050" dirty="0">
+              <a:rPr lang="en-US" sz="1200" dirty="0">
                 <a:solidFill>
                   <a:schemeClr val="tx1"/>
                 </a:solidFill>
+                <a:latin typeface="Times New Roman" panose="02020603050405020304" pitchFamily="18" charset="0"/>
+                <a:cs typeface="Times New Roman" panose="02020603050405020304" pitchFamily="18" charset="0"/>
                 <a:hlinkClick r:id="rId5">
                   <a:extLst>
                     <a:ext uri="{A12FA001-AC4F-418D-AE19-62706E023703}">
@@ -23114,18 +23813,22 @@
               </a:rPr>
               <a:t>, A. R., Wright, J. L., &amp; Barnes, M. (2018). Situation awareness-based agent transparency and human-autonomy teaming effectiveness. Theoretical issues in ergonomics science, 19(3), 259-282.</a:t>
             </a:r>
-            <a:endParaRPr lang="en-US" sz="1050" dirty="0">
+            <a:endParaRPr lang="en-US" sz="1200" dirty="0">
               <a:solidFill>
                 <a:schemeClr val="tx1"/>
               </a:solidFill>
+              <a:latin typeface="Times New Roman" panose="02020603050405020304" pitchFamily="18" charset="0"/>
+              <a:cs typeface="Times New Roman" panose="02020603050405020304" pitchFamily="18" charset="0"/>
             </a:endParaRPr>
           </a:p>
           <a:p>
             <a:r>
-              <a:rPr lang="en-US" sz="1050" dirty="0">
+              <a:rPr lang="en-US" sz="1200" dirty="0">
                 <a:solidFill>
                   <a:schemeClr val="tx1"/>
                 </a:solidFill>
+                <a:latin typeface="Times New Roman" panose="02020603050405020304" pitchFamily="18" charset="0"/>
+                <a:cs typeface="Times New Roman" panose="02020603050405020304" pitchFamily="18" charset="0"/>
                 <a:hlinkClick r:id="rId6">
                   <a:extLst>
                     <a:ext uri="{A12FA001-AC4F-418D-AE19-62706E023703}">
@@ -23137,10 +23840,12 @@
               <a:t>	</a:t>
             </a:r>
             <a:r>
-              <a:rPr lang="en-US" sz="1050" dirty="0" err="1">
+              <a:rPr lang="en-US" sz="1200" dirty="0" err="1">
                 <a:solidFill>
                   <a:schemeClr val="tx1"/>
                 </a:solidFill>
+                <a:latin typeface="Times New Roman" panose="02020603050405020304" pitchFamily="18" charset="0"/>
+                <a:cs typeface="Times New Roman" panose="02020603050405020304" pitchFamily="18" charset="0"/>
                 <a:hlinkClick r:id="rId6">
                   <a:extLst>
                     <a:ext uri="{A12FA001-AC4F-418D-AE19-62706E023703}">
@@ -23152,10 +23857,12 @@
               <a:t>Chesebrough</a:t>
             </a:r>
             <a:r>
-              <a:rPr lang="en-US" sz="1050" dirty="0">
+              <a:rPr lang="en-US" sz="1200" dirty="0">
                 <a:solidFill>
                   <a:schemeClr val="tx1"/>
                 </a:solidFill>
+                <a:latin typeface="Times New Roman" panose="02020603050405020304" pitchFamily="18" charset="0"/>
+                <a:cs typeface="Times New Roman" panose="02020603050405020304" pitchFamily="18" charset="0"/>
                 <a:hlinkClick r:id="rId6">
                   <a:extLst>
                     <a:ext uri="{A12FA001-AC4F-418D-AE19-62706E023703}">
@@ -23166,18 +23873,22 @@
               </a:rPr>
               <a:t>, D., &amp; Dooley, M. (2018, September 13). Defense Department Struggles to Define Autonomy. Retrieved from http://www.nationaldefensemagazine.org/articles/2018/9/13/defense-department-struggles-to-define-autonomy</a:t>
             </a:r>
-            <a:endParaRPr lang="en-US" sz="1050" dirty="0">
+            <a:endParaRPr lang="en-US" sz="1200" dirty="0">
               <a:solidFill>
                 <a:schemeClr val="tx1"/>
               </a:solidFill>
+              <a:latin typeface="Times New Roman" panose="02020603050405020304" pitchFamily="18" charset="0"/>
+              <a:cs typeface="Times New Roman" panose="02020603050405020304" pitchFamily="18" charset="0"/>
             </a:endParaRPr>
           </a:p>
           <a:p>
             <a:r>
-              <a:rPr lang="en-US" sz="1050" dirty="0">
+              <a:rPr lang="en-US" sz="1200" dirty="0">
                 <a:solidFill>
                   <a:schemeClr val="tx1"/>
                 </a:solidFill>
+                <a:latin typeface="Times New Roman" panose="02020603050405020304" pitchFamily="18" charset="0"/>
+                <a:cs typeface="Times New Roman" panose="02020603050405020304" pitchFamily="18" charset="0"/>
                 <a:hlinkClick r:id="rId7">
                   <a:extLst>
                     <a:ext uri="{A12FA001-AC4F-418D-AE19-62706E023703}">
@@ -23189,10 +23900,12 @@
               <a:t>	de </a:t>
             </a:r>
             <a:r>
-              <a:rPr lang="en-US" sz="1050" dirty="0" err="1">
+              <a:rPr lang="en-US" sz="1200" dirty="0" err="1">
                 <a:solidFill>
                   <a:schemeClr val="tx1"/>
                 </a:solidFill>
+                <a:latin typeface="Times New Roman" panose="02020603050405020304" pitchFamily="18" charset="0"/>
+                <a:cs typeface="Times New Roman" panose="02020603050405020304" pitchFamily="18" charset="0"/>
                 <a:hlinkClick r:id="rId7">
                   <a:extLst>
                     <a:ext uri="{A12FA001-AC4F-418D-AE19-62706E023703}">
@@ -23204,10 +23917,12 @@
               <a:t>Boisboissel</a:t>
             </a:r>
             <a:r>
-              <a:rPr lang="en-US" sz="1050" dirty="0">
+              <a:rPr lang="en-US" sz="1200" dirty="0">
                 <a:solidFill>
                   <a:schemeClr val="tx1"/>
                 </a:solidFill>
+                <a:latin typeface="Times New Roman" panose="02020603050405020304" pitchFamily="18" charset="0"/>
+                <a:cs typeface="Times New Roman" panose="02020603050405020304" pitchFamily="18" charset="0"/>
                 <a:hlinkClick r:id="rId7">
                   <a:extLst>
                     <a:ext uri="{A12FA001-AC4F-418D-AE19-62706E023703}">
@@ -23218,18 +23933,22 @@
               </a:rPr>
               <a:t>, G. (2017). Is it sensible to grant autonomous decision-making to military robots of the future?. In Military Technologies (ICMT), 2017 International Conference on (pp. 738-742). IEEE.</a:t>
             </a:r>
-            <a:endParaRPr lang="en-US" sz="1050" dirty="0">
+            <a:endParaRPr lang="en-US" sz="1200" dirty="0">
               <a:solidFill>
                 <a:schemeClr val="tx1"/>
               </a:solidFill>
+              <a:latin typeface="Times New Roman" panose="02020603050405020304" pitchFamily="18" charset="0"/>
+              <a:cs typeface="Times New Roman" panose="02020603050405020304" pitchFamily="18" charset="0"/>
             </a:endParaRPr>
           </a:p>
           <a:p>
             <a:r>
-              <a:rPr lang="en-US" sz="1050" dirty="0">
+              <a:rPr lang="en-US" sz="1200" dirty="0">
                 <a:solidFill>
                   <a:schemeClr val="tx1"/>
                 </a:solidFill>
+                <a:latin typeface="Times New Roman" panose="02020603050405020304" pitchFamily="18" charset="0"/>
+                <a:cs typeface="Times New Roman" panose="02020603050405020304" pitchFamily="18" charset="0"/>
                 <a:hlinkClick r:id="rId8">
                   <a:extLst>
                     <a:ext uri="{A12FA001-AC4F-418D-AE19-62706E023703}">
@@ -23241,10 +23960,12 @@
               <a:t>	Defense Science Board. 2016. Defense Science Board Summer Study on Autonomy. Washington, </a:t>
             </a:r>
             <a:r>
-              <a:rPr lang="en-US" sz="1050" dirty="0" err="1">
+              <a:rPr lang="en-US" sz="1200" dirty="0" err="1">
                 <a:solidFill>
                   <a:schemeClr val="tx1"/>
                 </a:solidFill>
+                <a:latin typeface="Times New Roman" panose="02020603050405020304" pitchFamily="18" charset="0"/>
+                <a:cs typeface="Times New Roman" panose="02020603050405020304" pitchFamily="18" charset="0"/>
                 <a:hlinkClick r:id="rId8">
                   <a:extLst>
                     <a:ext uri="{A12FA001-AC4F-418D-AE19-62706E023703}">
@@ -23256,10 +23977,12 @@
               <a:t>DC:Under</a:t>
             </a:r>
             <a:r>
-              <a:rPr lang="en-US" sz="1050" dirty="0">
+              <a:rPr lang="en-US" sz="1200" dirty="0">
                 <a:solidFill>
                   <a:schemeClr val="tx1"/>
                 </a:solidFill>
+                <a:latin typeface="Times New Roman" panose="02020603050405020304" pitchFamily="18" charset="0"/>
+                <a:cs typeface="Times New Roman" panose="02020603050405020304" pitchFamily="18" charset="0"/>
                 <a:hlinkClick r:id="rId8">
                   <a:extLst>
                     <a:ext uri="{A12FA001-AC4F-418D-AE19-62706E023703}">
@@ -23270,18 +23993,22 @@
               </a:rPr>
               <a:t> Secretary of Defense.</a:t>
             </a:r>
-            <a:endParaRPr lang="en-US" sz="1050" dirty="0">
+            <a:endParaRPr lang="en-US" sz="1200" dirty="0">
               <a:solidFill>
                 <a:schemeClr val="tx1"/>
               </a:solidFill>
+              <a:latin typeface="Times New Roman" panose="02020603050405020304" pitchFamily="18" charset="0"/>
+              <a:cs typeface="Times New Roman" panose="02020603050405020304" pitchFamily="18" charset="0"/>
             </a:endParaRPr>
           </a:p>
           <a:p>
             <a:r>
-              <a:rPr lang="en-US" sz="1050" dirty="0">
+              <a:rPr lang="en-US" sz="1200" dirty="0">
                 <a:solidFill>
                   <a:schemeClr val="tx1"/>
                 </a:solidFill>
+                <a:latin typeface="Times New Roman" panose="02020603050405020304" pitchFamily="18" charset="0"/>
+                <a:cs typeface="Times New Roman" panose="02020603050405020304" pitchFamily="18" charset="0"/>
                 <a:hlinkClick r:id="rId9">
                   <a:extLst>
                     <a:ext uri="{A12FA001-AC4F-418D-AE19-62706E023703}">
@@ -23293,10 +24020,12 @@
               <a:t>	</a:t>
             </a:r>
             <a:r>
-              <a:rPr lang="en-US" sz="1050" dirty="0" err="1">
+              <a:rPr lang="en-US" sz="1200" dirty="0" err="1">
                 <a:solidFill>
                   <a:schemeClr val="tx1"/>
                 </a:solidFill>
+                <a:latin typeface="Times New Roman" panose="02020603050405020304" pitchFamily="18" charset="0"/>
+                <a:cs typeface="Times New Roman" panose="02020603050405020304" pitchFamily="18" charset="0"/>
                 <a:hlinkClick r:id="rId9">
                   <a:extLst>
                     <a:ext uri="{A12FA001-AC4F-418D-AE19-62706E023703}">
@@ -23308,10 +24037,12 @@
               <a:t>Endsley</a:t>
             </a:r>
             <a:r>
-              <a:rPr lang="en-US" sz="1050" dirty="0">
+              <a:rPr lang="en-US" sz="1200" dirty="0">
                 <a:solidFill>
                   <a:schemeClr val="tx1"/>
                 </a:solidFill>
+                <a:latin typeface="Times New Roman" panose="02020603050405020304" pitchFamily="18" charset="0"/>
+                <a:cs typeface="Times New Roman" panose="02020603050405020304" pitchFamily="18" charset="0"/>
                 <a:hlinkClick r:id="rId9">
                   <a:extLst>
                     <a:ext uri="{A12FA001-AC4F-418D-AE19-62706E023703}">
@@ -23322,18 +24053,22 @@
               </a:rPr>
               <a:t>, M. R. (2017). From here to autonomy: lessons learned from human–automation research. Human factors, 59(1), 5-27.</a:t>
             </a:r>
-            <a:endParaRPr lang="en-US" sz="1050" dirty="0">
+            <a:endParaRPr lang="en-US" sz="1200" dirty="0">
               <a:solidFill>
                 <a:schemeClr val="tx1"/>
               </a:solidFill>
+              <a:latin typeface="Times New Roman" panose="02020603050405020304" pitchFamily="18" charset="0"/>
+              <a:cs typeface="Times New Roman" panose="02020603050405020304" pitchFamily="18" charset="0"/>
             </a:endParaRPr>
           </a:p>
           <a:p>
             <a:r>
-              <a:rPr lang="en-US" sz="1050" dirty="0">
+              <a:rPr lang="en-US" sz="1200" dirty="0">
                 <a:solidFill>
                   <a:schemeClr val="tx1"/>
                 </a:solidFill>
+                <a:latin typeface="Times New Roman" panose="02020603050405020304" pitchFamily="18" charset="0"/>
+                <a:cs typeface="Times New Roman" panose="02020603050405020304" pitchFamily="18" charset="0"/>
                 <a:hlinkClick r:id="rId10">
                   <a:extLst>
                     <a:ext uri="{A12FA001-AC4F-418D-AE19-62706E023703}">
@@ -23344,18 +24079,22 @@
               </a:rPr>
               <a:t>	Demir M., McNeese N.J., Cooke N.J. (2018) Team Synchrony in Human-Autonomy Teaming. In: Chen J. (eds) Advances in Human Factors in Robots and Unmanned Systems. AHFE 2017. Advances in Intelligent Systems and Computing, vol 595. Springer, Cham</a:t>
             </a:r>
-            <a:endParaRPr lang="en-US" sz="1050" dirty="0">
+            <a:endParaRPr lang="en-US" sz="1200" dirty="0">
               <a:solidFill>
                 <a:schemeClr val="tx1"/>
               </a:solidFill>
+              <a:latin typeface="Times New Roman" panose="02020603050405020304" pitchFamily="18" charset="0"/>
+              <a:cs typeface="Times New Roman" panose="02020603050405020304" pitchFamily="18" charset="0"/>
             </a:endParaRPr>
           </a:p>
           <a:p>
             <a:r>
-              <a:rPr lang="en-US" sz="1050" dirty="0">
+              <a:rPr lang="en-US" sz="1200" dirty="0">
                 <a:solidFill>
                   <a:schemeClr val="tx1"/>
                 </a:solidFill>
+                <a:latin typeface="Times New Roman" panose="02020603050405020304" pitchFamily="18" charset="0"/>
+                <a:cs typeface="Times New Roman" panose="02020603050405020304" pitchFamily="18" charset="0"/>
                 <a:hlinkClick r:id="rId11">
                   <a:extLst>
                     <a:ext uri="{A12FA001-AC4F-418D-AE19-62706E023703}">
@@ -23366,18 +24105,22 @@
               </a:rPr>
               <a:t>	Hawking, S. (2014). Transcendence looks at the implications of artificial intelligence—but are we taking AI seriously enough? The Independent.</a:t>
             </a:r>
-            <a:endParaRPr lang="en-US" sz="1050" dirty="0">
+            <a:endParaRPr lang="en-US" sz="1200" dirty="0">
               <a:solidFill>
                 <a:schemeClr val="tx1"/>
               </a:solidFill>
+              <a:latin typeface="Times New Roman" panose="02020603050405020304" pitchFamily="18" charset="0"/>
+              <a:cs typeface="Times New Roman" panose="02020603050405020304" pitchFamily="18" charset="0"/>
             </a:endParaRPr>
           </a:p>
           <a:p>
             <a:r>
-              <a:rPr lang="en-US" sz="1050" dirty="0">
+              <a:rPr lang="en-US" sz="1200" dirty="0">
                 <a:solidFill>
                   <a:schemeClr val="tx1"/>
                 </a:solidFill>
+                <a:latin typeface="Times New Roman" panose="02020603050405020304" pitchFamily="18" charset="0"/>
+                <a:cs typeface="Times New Roman" panose="02020603050405020304" pitchFamily="18" charset="0"/>
                 <a:hlinkClick r:id="rId12">
                   <a:extLst>
                     <a:ext uri="{A12FA001-AC4F-418D-AE19-62706E023703}">
@@ -23389,10 +24132,12 @@
               <a:t>	Millington, I., &amp; </a:t>
             </a:r>
             <a:r>
-              <a:rPr lang="en-US" sz="1050" dirty="0" err="1">
+              <a:rPr lang="en-US" sz="1200" dirty="0" err="1">
                 <a:solidFill>
                   <a:schemeClr val="tx1"/>
                 </a:solidFill>
+                <a:latin typeface="Times New Roman" panose="02020603050405020304" pitchFamily="18" charset="0"/>
+                <a:cs typeface="Times New Roman" panose="02020603050405020304" pitchFamily="18" charset="0"/>
                 <a:hlinkClick r:id="rId12">
                   <a:extLst>
                     <a:ext uri="{A12FA001-AC4F-418D-AE19-62706E023703}">
@@ -23404,10 +24149,12 @@
               <a:t>Funge</a:t>
             </a:r>
             <a:r>
-              <a:rPr lang="en-US" sz="1050" dirty="0">
+              <a:rPr lang="en-US" sz="1200" dirty="0">
                 <a:solidFill>
                   <a:schemeClr val="tx1"/>
                 </a:solidFill>
+                <a:latin typeface="Times New Roman" panose="02020603050405020304" pitchFamily="18" charset="0"/>
+                <a:cs typeface="Times New Roman" panose="02020603050405020304" pitchFamily="18" charset="0"/>
                 <a:hlinkClick r:id="rId12">
                   <a:extLst>
                     <a:ext uri="{A12FA001-AC4F-418D-AE19-62706E023703}">
@@ -23418,18 +24165,22 @@
               </a:rPr>
               <a:t>, J. (2009). Artificial intelligence for games. CRC Press.</a:t>
             </a:r>
-            <a:endParaRPr lang="en-US" sz="1050" dirty="0">
+            <a:endParaRPr lang="en-US" sz="1200" dirty="0">
               <a:solidFill>
                 <a:schemeClr val="tx1"/>
               </a:solidFill>
+              <a:latin typeface="Times New Roman" panose="02020603050405020304" pitchFamily="18" charset="0"/>
+              <a:cs typeface="Times New Roman" panose="02020603050405020304" pitchFamily="18" charset="0"/>
             </a:endParaRPr>
           </a:p>
           <a:p>
             <a:r>
-              <a:rPr lang="en-US" sz="1050" dirty="0">
+              <a:rPr lang="en-US" sz="1200" dirty="0">
                 <a:solidFill>
                   <a:schemeClr val="tx1"/>
                 </a:solidFill>
+                <a:latin typeface="Times New Roman" panose="02020603050405020304" pitchFamily="18" charset="0"/>
+                <a:cs typeface="Times New Roman" panose="02020603050405020304" pitchFamily="18" charset="0"/>
                 <a:hlinkClick r:id="rId13">
                   <a:extLst>
                     <a:ext uri="{A12FA001-AC4F-418D-AE19-62706E023703}">
@@ -23440,18 +24191,22 @@
               </a:rPr>
               <a:t>Reuters (2018, September 19). Ageing Japan: Military recruiters struggle as applicant pool dries up. Retrieved from https://in.reuters.com/article/japan-ageing-military-recruits/ageing-japan-military-recruiters-struggle-as-applicant-pool-dries-up-idINKCN1LZ146</a:t>
             </a:r>
-            <a:endParaRPr lang="en-US" sz="1050" dirty="0">
+            <a:endParaRPr lang="en-US" sz="1200" dirty="0">
               <a:solidFill>
                 <a:schemeClr val="tx1"/>
               </a:solidFill>
+              <a:latin typeface="Times New Roman" panose="02020603050405020304" pitchFamily="18" charset="0"/>
+              <a:cs typeface="Times New Roman" panose="02020603050405020304" pitchFamily="18" charset="0"/>
             </a:endParaRPr>
           </a:p>
           <a:p>
             <a:r>
-              <a:rPr lang="en-US" sz="1050" dirty="0">
+              <a:rPr lang="en-US" sz="1200" dirty="0">
                 <a:solidFill>
                   <a:schemeClr val="tx1"/>
                 </a:solidFill>
+                <a:latin typeface="Times New Roman" panose="02020603050405020304" pitchFamily="18" charset="0"/>
+                <a:cs typeface="Times New Roman" panose="02020603050405020304" pitchFamily="18" charset="0"/>
                 <a:hlinkClick r:id="rId14">
                   <a:extLst>
                     <a:ext uri="{A12FA001-AC4F-418D-AE19-62706E023703}">
@@ -23463,10 +24218,12 @@
               <a:t>	</a:t>
             </a:r>
             <a:r>
-              <a:rPr lang="en-US" sz="1050" dirty="0" err="1">
+              <a:rPr lang="en-US" sz="1200" dirty="0" err="1">
                 <a:solidFill>
                   <a:schemeClr val="tx1"/>
                 </a:solidFill>
+                <a:latin typeface="Times New Roman" panose="02020603050405020304" pitchFamily="18" charset="0"/>
+                <a:cs typeface="Times New Roman" panose="02020603050405020304" pitchFamily="18" charset="0"/>
                 <a:hlinkClick r:id="rId14">
                   <a:extLst>
                     <a:ext uri="{A12FA001-AC4F-418D-AE19-62706E023703}">
@@ -23478,10 +24235,12 @@
               <a:t>Sadraey</a:t>
             </a:r>
             <a:r>
-              <a:rPr lang="en-US" sz="1050" dirty="0">
+              <a:rPr lang="en-US" sz="1200" dirty="0">
                 <a:solidFill>
                   <a:schemeClr val="tx1"/>
                 </a:solidFill>
+                <a:latin typeface="Times New Roman" panose="02020603050405020304" pitchFamily="18" charset="0"/>
+                <a:cs typeface="Times New Roman" panose="02020603050405020304" pitchFamily="18" charset="0"/>
                 <a:hlinkClick r:id="rId14">
                   <a:extLst>
                     <a:ext uri="{A12FA001-AC4F-418D-AE19-62706E023703}">
@@ -23492,18 +24251,22 @@
               </a:rPr>
               <a:t>, M. H. (2018). Manned-unmanned aircraft teaming. In 2018 IEEE Aerospace Conference (pp. 1-12). IEEE.</a:t>
             </a:r>
-            <a:endParaRPr lang="en-US" sz="1050" dirty="0">
+            <a:endParaRPr lang="en-US" sz="1200" dirty="0">
               <a:solidFill>
                 <a:schemeClr val="tx1"/>
               </a:solidFill>
+              <a:latin typeface="Times New Roman" panose="02020603050405020304" pitchFamily="18" charset="0"/>
+              <a:cs typeface="Times New Roman" panose="02020603050405020304" pitchFamily="18" charset="0"/>
             </a:endParaRPr>
           </a:p>
           <a:p>
             <a:r>
-              <a:rPr lang="en-US" sz="1050" dirty="0">
+              <a:rPr lang="en-US" sz="1200" dirty="0">
                 <a:solidFill>
                   <a:schemeClr val="tx1"/>
                 </a:solidFill>
+                <a:latin typeface="Times New Roman" panose="02020603050405020304" pitchFamily="18" charset="0"/>
+                <a:cs typeface="Times New Roman" panose="02020603050405020304" pitchFamily="18" charset="0"/>
                 <a:hlinkClick r:id="rId15">
                   <a:extLst>
                     <a:ext uri="{A12FA001-AC4F-418D-AE19-62706E023703}">
@@ -23515,10 +24278,12 @@
               <a:t>	</a:t>
             </a:r>
             <a:r>
-              <a:rPr lang="en-US" sz="1050" dirty="0" err="1">
+              <a:rPr lang="en-US" sz="1200" dirty="0" err="1">
                 <a:solidFill>
                   <a:schemeClr val="tx1"/>
                 </a:solidFill>
+                <a:latin typeface="Times New Roman" panose="02020603050405020304" pitchFamily="18" charset="0"/>
+                <a:cs typeface="Times New Roman" panose="02020603050405020304" pitchFamily="18" charset="0"/>
                 <a:hlinkClick r:id="rId15">
                   <a:extLst>
                     <a:ext uri="{A12FA001-AC4F-418D-AE19-62706E023703}">
@@ -23530,10 +24295,12 @@
               <a:t>Scharre</a:t>
             </a:r>
             <a:r>
-              <a:rPr lang="en-US" sz="1050" dirty="0">
+              <a:rPr lang="en-US" sz="1200" dirty="0">
                 <a:solidFill>
                   <a:schemeClr val="tx1"/>
                 </a:solidFill>
+                <a:latin typeface="Times New Roman" panose="02020603050405020304" pitchFamily="18" charset="0"/>
+                <a:cs typeface="Times New Roman" panose="02020603050405020304" pitchFamily="18" charset="0"/>
                 <a:hlinkClick r:id="rId15">
                   <a:extLst>
                     <a:ext uri="{A12FA001-AC4F-418D-AE19-62706E023703}">
@@ -23544,18 +24311,22 @@
               </a:rPr>
               <a:t>, P. (2018). Army of None: Autonomous Weapons and the Future of War. WW Norton &amp; Company.</a:t>
             </a:r>
-            <a:endParaRPr lang="en-US" sz="1050" dirty="0">
+            <a:endParaRPr lang="en-US" sz="1200" dirty="0">
               <a:solidFill>
                 <a:schemeClr val="tx1"/>
               </a:solidFill>
+              <a:latin typeface="Times New Roman" panose="02020603050405020304" pitchFamily="18" charset="0"/>
+              <a:cs typeface="Times New Roman" panose="02020603050405020304" pitchFamily="18" charset="0"/>
             </a:endParaRPr>
           </a:p>
           <a:p>
             <a:r>
-              <a:rPr lang="en-US" sz="1050" dirty="0">
+              <a:rPr lang="en-US" sz="1200" dirty="0">
                 <a:solidFill>
                   <a:schemeClr val="tx1"/>
                 </a:solidFill>
+                <a:latin typeface="Times New Roman" panose="02020603050405020304" pitchFamily="18" charset="0"/>
+                <a:cs typeface="Times New Roman" panose="02020603050405020304" pitchFamily="18" charset="0"/>
                 <a:hlinkClick r:id="rId16">
                   <a:extLst>
                     <a:ext uri="{A12FA001-AC4F-418D-AE19-62706E023703}">
@@ -23566,18 +24337,22 @@
               </a:rPr>
               <a:t>	Squire, P. N., &amp; Parasuraman, R. (2010). Effects of automation and task load on task switching during human supervision of multiple semi-autonomous robots in a dynamic environment. Ergonomics, 53(8), 951-961.</a:t>
             </a:r>
-            <a:endParaRPr lang="en-US" sz="1050" dirty="0">
+            <a:endParaRPr lang="en-US" sz="1200" dirty="0">
               <a:solidFill>
                 <a:schemeClr val="tx1"/>
               </a:solidFill>
+              <a:latin typeface="Times New Roman" panose="02020603050405020304" pitchFamily="18" charset="0"/>
+              <a:cs typeface="Times New Roman" panose="02020603050405020304" pitchFamily="18" charset="0"/>
             </a:endParaRPr>
           </a:p>
           <a:p>
             <a:r>
-              <a:rPr lang="en-US" sz="1050" dirty="0">
+              <a:rPr lang="en-US" sz="1200" dirty="0">
                 <a:solidFill>
                   <a:schemeClr val="tx1"/>
                 </a:solidFill>
+                <a:latin typeface="Times New Roman" panose="02020603050405020304" pitchFamily="18" charset="0"/>
+                <a:cs typeface="Times New Roman" panose="02020603050405020304" pitchFamily="18" charset="0"/>
                 <a:hlinkClick r:id="rId17">
                   <a:extLst>
                     <a:ext uri="{A12FA001-AC4F-418D-AE19-62706E023703}">
@@ -23589,10 +24364,12 @@
               <a:t>	</a:t>
             </a:r>
             <a:r>
-              <a:rPr lang="en-US" sz="1050" dirty="0" err="1">
+              <a:rPr lang="en-US" sz="1200" dirty="0" err="1">
                 <a:solidFill>
                   <a:schemeClr val="tx1"/>
                 </a:solidFill>
+                <a:latin typeface="Times New Roman" panose="02020603050405020304" pitchFamily="18" charset="0"/>
+                <a:cs typeface="Times New Roman" panose="02020603050405020304" pitchFamily="18" charset="0"/>
                 <a:hlinkClick r:id="rId17">
                   <a:extLst>
                     <a:ext uri="{A12FA001-AC4F-418D-AE19-62706E023703}">
@@ -23604,10 +24381,12 @@
               <a:t>Vinge</a:t>
             </a:r>
             <a:r>
-              <a:rPr lang="en-US" sz="1050" dirty="0">
+              <a:rPr lang="en-US" sz="1200" dirty="0">
                 <a:solidFill>
                   <a:schemeClr val="tx1"/>
                 </a:solidFill>
+                <a:latin typeface="Times New Roman" panose="02020603050405020304" pitchFamily="18" charset="0"/>
+                <a:cs typeface="Times New Roman" panose="02020603050405020304" pitchFamily="18" charset="0"/>
                 <a:hlinkClick r:id="rId17">
                   <a:extLst>
                     <a:ext uri="{A12FA001-AC4F-418D-AE19-62706E023703}">
@@ -23618,18 +24397,22 @@
               </a:rPr>
               <a:t>, V. (1993). The coming technological singularity: How to survive in the post-human era.</a:t>
             </a:r>
-            <a:endParaRPr lang="en-US" sz="1050" dirty="0">
+            <a:endParaRPr lang="en-US" sz="1200" dirty="0">
               <a:solidFill>
                 <a:schemeClr val="tx1"/>
               </a:solidFill>
+              <a:latin typeface="Times New Roman" panose="02020603050405020304" pitchFamily="18" charset="0"/>
+              <a:cs typeface="Times New Roman" panose="02020603050405020304" pitchFamily="18" charset="0"/>
             </a:endParaRPr>
           </a:p>
           <a:p>
             <a:r>
-              <a:rPr lang="en-US" sz="1050" dirty="0">
+              <a:rPr lang="en-US" sz="1200" dirty="0">
                 <a:solidFill>
                   <a:schemeClr val="tx1"/>
                 </a:solidFill>
+                <a:latin typeface="Times New Roman" panose="02020603050405020304" pitchFamily="18" charset="0"/>
+                <a:cs typeface="Times New Roman" panose="02020603050405020304" pitchFamily="18" charset="0"/>
                 <a:hlinkClick r:id="rId18">
                   <a:extLst>
                     <a:ext uri="{A12FA001-AC4F-418D-AE19-62706E023703}">
@@ -23641,10 +24424,12 @@
               <a:t>	Warren, A., &amp; </a:t>
             </a:r>
             <a:r>
-              <a:rPr lang="en-US" sz="1050" dirty="0" err="1">
+              <a:rPr lang="en-US" sz="1200" dirty="0" err="1">
                 <a:solidFill>
                   <a:schemeClr val="tx1"/>
                 </a:solidFill>
+                <a:latin typeface="Times New Roman" panose="02020603050405020304" pitchFamily="18" charset="0"/>
+                <a:cs typeface="Times New Roman" panose="02020603050405020304" pitchFamily="18" charset="0"/>
                 <a:hlinkClick r:id="rId18">
                   <a:extLst>
                     <a:ext uri="{A12FA001-AC4F-418D-AE19-62706E023703}">
@@ -23656,10 +24441,12 @@
               <a:t>Hillas</a:t>
             </a:r>
             <a:r>
-              <a:rPr lang="en-US" sz="1050" dirty="0">
+              <a:rPr lang="en-US" sz="1200" dirty="0">
                 <a:solidFill>
                   <a:schemeClr val="tx1"/>
                 </a:solidFill>
+                <a:latin typeface="Times New Roman" panose="02020603050405020304" pitchFamily="18" charset="0"/>
+                <a:cs typeface="Times New Roman" panose="02020603050405020304" pitchFamily="18" charset="0"/>
                 <a:hlinkClick r:id="rId18">
                   <a:extLst>
                     <a:ext uri="{A12FA001-AC4F-418D-AE19-62706E023703}">
@@ -23671,10 +24458,12 @@
               <a:t>, A. (2017). Lethal Autonomous Weapons Systems: Adapting to the Future Unmanned Warfare and Unaccountable Robots. Yale J. Int'l </a:t>
             </a:r>
             <a:r>
-              <a:rPr lang="en-US" sz="1050" dirty="0" err="1">
+              <a:rPr lang="en-US" sz="1200" dirty="0" err="1">
                 <a:solidFill>
                   <a:schemeClr val="tx1"/>
                 </a:solidFill>
+                <a:latin typeface="Times New Roman" panose="02020603050405020304" pitchFamily="18" charset="0"/>
+                <a:cs typeface="Times New Roman" panose="02020603050405020304" pitchFamily="18" charset="0"/>
                 <a:hlinkClick r:id="rId18">
                   <a:extLst>
                     <a:ext uri="{A12FA001-AC4F-418D-AE19-62706E023703}">
@@ -23686,10 +24475,12 @@
               <a:t>Aff</a:t>
             </a:r>
             <a:r>
-              <a:rPr lang="en-US" sz="1050" dirty="0">
+              <a:rPr lang="en-US" sz="1200" dirty="0">
                 <a:solidFill>
                   <a:schemeClr val="tx1"/>
                 </a:solidFill>
+                <a:latin typeface="Times New Roman" panose="02020603050405020304" pitchFamily="18" charset="0"/>
+                <a:cs typeface="Times New Roman" panose="02020603050405020304" pitchFamily="18" charset="0"/>
                 <a:hlinkClick r:id="rId18">
                   <a:extLst>
                     <a:ext uri="{A12FA001-AC4F-418D-AE19-62706E023703}">
@@ -23700,18 +24491,22 @@
               </a:rPr>
               <a:t>., 12, 71.</a:t>
             </a:r>
-            <a:endParaRPr lang="en-US" sz="1050" dirty="0">
+            <a:endParaRPr lang="en-US" sz="1200" dirty="0">
               <a:solidFill>
                 <a:schemeClr val="tx1"/>
               </a:solidFill>
+              <a:latin typeface="Times New Roman" panose="02020603050405020304" pitchFamily="18" charset="0"/>
+              <a:cs typeface="Times New Roman" panose="02020603050405020304" pitchFamily="18" charset="0"/>
             </a:endParaRPr>
           </a:p>
           <a:p>
             <a:r>
-              <a:rPr lang="en-US" sz="1050" dirty="0">
+              <a:rPr lang="en-US" sz="1200" dirty="0">
                 <a:solidFill>
                   <a:schemeClr val="tx1"/>
                 </a:solidFill>
+                <a:latin typeface="Times New Roman" panose="02020603050405020304" pitchFamily="18" charset="0"/>
+                <a:cs typeface="Times New Roman" panose="02020603050405020304" pitchFamily="18" charset="0"/>
                 <a:hlinkClick r:id="rId19">
                   <a:extLst>
                     <a:ext uri="{A12FA001-AC4F-418D-AE19-62706E023703}">
@@ -23723,10 +24518,12 @@
               <a:t>	Yilmaz, L., </a:t>
             </a:r>
             <a:r>
-              <a:rPr lang="en-US" sz="1050" dirty="0" err="1">
+              <a:rPr lang="en-US" sz="1200" dirty="0" err="1">
                 <a:solidFill>
                   <a:schemeClr val="tx1"/>
                 </a:solidFill>
+                <a:latin typeface="Times New Roman" panose="02020603050405020304" pitchFamily="18" charset="0"/>
+                <a:cs typeface="Times New Roman" panose="02020603050405020304" pitchFamily="18" charset="0"/>
                 <a:hlinkClick r:id="rId19">
                   <a:extLst>
                     <a:ext uri="{A12FA001-AC4F-418D-AE19-62706E023703}">
@@ -23738,10 +24535,12 @@
               <a:t>Ören</a:t>
             </a:r>
             <a:r>
-              <a:rPr lang="en-US" sz="1050" dirty="0">
+              <a:rPr lang="en-US" sz="1200" dirty="0">
                 <a:solidFill>
                   <a:schemeClr val="tx1"/>
                 </a:solidFill>
+                <a:latin typeface="Times New Roman" panose="02020603050405020304" pitchFamily="18" charset="0"/>
+                <a:cs typeface="Times New Roman" panose="02020603050405020304" pitchFamily="18" charset="0"/>
                 <a:hlinkClick r:id="rId19">
                   <a:extLst>
                     <a:ext uri="{A12FA001-AC4F-418D-AE19-62706E023703}">
@@ -23753,10 +24552,12 @@
               <a:t>, T., &amp; </a:t>
             </a:r>
             <a:r>
-              <a:rPr lang="en-US" sz="1050" dirty="0" err="1">
+              <a:rPr lang="en-US" sz="1200" dirty="0" err="1">
                 <a:solidFill>
                   <a:schemeClr val="tx1"/>
                 </a:solidFill>
+                <a:latin typeface="Times New Roman" panose="02020603050405020304" pitchFamily="18" charset="0"/>
+                <a:cs typeface="Times New Roman" panose="02020603050405020304" pitchFamily="18" charset="0"/>
                 <a:hlinkClick r:id="rId19">
                   <a:extLst>
                     <a:ext uri="{A12FA001-AC4F-418D-AE19-62706E023703}">
@@ -23768,10 +24569,12 @@
               <a:t>Aghaee</a:t>
             </a:r>
             <a:r>
-              <a:rPr lang="en-US" sz="1050" dirty="0">
+              <a:rPr lang="en-US" sz="1200" dirty="0">
                 <a:solidFill>
                   <a:schemeClr val="tx1"/>
                 </a:solidFill>
+                <a:latin typeface="Times New Roman" panose="02020603050405020304" pitchFamily="18" charset="0"/>
+                <a:cs typeface="Times New Roman" panose="02020603050405020304" pitchFamily="18" charset="0"/>
                 <a:hlinkClick r:id="rId19">
                   <a:extLst>
                     <a:ext uri="{A12FA001-AC4F-418D-AE19-62706E023703}">
@@ -23782,18 +24585,22 @@
               </a:rPr>
               <a:t>, N. G. (2006). Intelligent agents, simulation, and gaming. Simulation &amp; Gaming, 37(3), 339-349.</a:t>
             </a:r>
-            <a:endParaRPr lang="en-US" sz="1050" dirty="0">
+            <a:endParaRPr lang="en-US" sz="1200" dirty="0">
               <a:solidFill>
                 <a:schemeClr val="tx1"/>
               </a:solidFill>
+              <a:latin typeface="Times New Roman" panose="02020603050405020304" pitchFamily="18" charset="0"/>
+              <a:cs typeface="Times New Roman" panose="02020603050405020304" pitchFamily="18" charset="0"/>
             </a:endParaRPr>
           </a:p>
           <a:p>
             <a:r>
-              <a:rPr lang="en-US" sz="1050" dirty="0">
+              <a:rPr lang="en-US" sz="1200" dirty="0">
                 <a:solidFill>
                   <a:schemeClr val="tx1"/>
                 </a:solidFill>
+                <a:latin typeface="Times New Roman" panose="02020603050405020304" pitchFamily="18" charset="0"/>
+                <a:cs typeface="Times New Roman" panose="02020603050405020304" pitchFamily="18" charset="0"/>
                 <a:hlinkClick r:id="rId20">
                   <a:extLst>
                     <a:ext uri="{A12FA001-AC4F-418D-AE19-62706E023703}">
@@ -23805,10 +24612,12 @@
               <a:t>	</a:t>
             </a:r>
             <a:r>
-              <a:rPr lang="en-US" sz="1050" dirty="0" err="1">
+              <a:rPr lang="en-US" sz="1200" dirty="0" err="1">
                 <a:solidFill>
                   <a:schemeClr val="tx1"/>
                 </a:solidFill>
+                <a:latin typeface="Times New Roman" panose="02020603050405020304" pitchFamily="18" charset="0"/>
+                <a:cs typeface="Times New Roman" panose="02020603050405020304" pitchFamily="18" charset="0"/>
                 <a:hlinkClick r:id="rId20">
                   <a:extLst>
                     <a:ext uri="{A12FA001-AC4F-418D-AE19-62706E023703}">
@@ -23820,10 +24629,12 @@
               <a:t>Youtube</a:t>
             </a:r>
             <a:r>
-              <a:rPr lang="en-US" sz="1050" dirty="0">
+              <a:rPr lang="en-US" sz="1200" dirty="0">
                 <a:solidFill>
                   <a:schemeClr val="tx1"/>
                 </a:solidFill>
+                <a:latin typeface="Times New Roman" panose="02020603050405020304" pitchFamily="18" charset="0"/>
+                <a:cs typeface="Times New Roman" panose="02020603050405020304" pitchFamily="18" charset="0"/>
                 <a:hlinkClick r:id="rId20">
                   <a:extLst>
                     <a:ext uri="{A12FA001-AC4F-418D-AE19-62706E023703}">
@@ -23834,10 +24645,12 @@
               </a:rPr>
               <a:t> (2013, July 10). X-47B Completes First Carrier-based Arrested Landing. Retrieved from https://www.youtube.com/watch?v=Rc2k6G8LuqY</a:t>
             </a:r>
-            <a:endParaRPr lang="en-US" sz="1050" dirty="0">
+            <a:endParaRPr lang="en-US" sz="1200" dirty="0">
               <a:solidFill>
                 <a:schemeClr val="tx1"/>
               </a:solidFill>
+              <a:latin typeface="Times New Roman" panose="02020603050405020304" pitchFamily="18" charset="0"/>
+              <a:cs typeface="Times New Roman" panose="02020603050405020304" pitchFamily="18" charset="0"/>
             </a:endParaRPr>
           </a:p>
         </p:txBody>
@@ -24536,21 +25349,355 @@
           </a:bodyPr>
           <a:lstStyle/>
           <a:p>
+            <a:pPr marL="342900" indent="-342900">
+              <a:spcBef>
+                <a:spcPts val="600"/>
+              </a:spcBef>
+              <a:buFont typeface="Arial" panose="020B0604020202020204" pitchFamily="34" charset="0"/>
+              <a:buChar char="•"/>
+            </a:pPr>
+            <a:r>
+              <a:rPr lang="en-US" sz="2800" b="1" dirty="0">
+                <a:solidFill>
+                  <a:schemeClr val="dk1"/>
+                </a:solidFill>
+                <a:latin typeface="Times"/>
+                <a:cs typeface="Times"/>
+              </a:rPr>
+              <a:t>Breakthroughs in AI and Robotics</a:t>
+            </a:r>
+          </a:p>
+          <a:p>
+            <a:pPr marL="342900" lvl="0" indent="-342900">
+              <a:lnSpc>
+                <a:spcPct val="150000"/>
+              </a:lnSpc>
+              <a:spcBef>
+                <a:spcPts val="600"/>
+              </a:spcBef>
+              <a:buFont typeface="Arial" panose="020B0604020202020204" pitchFamily="34" charset="0"/>
+              <a:buChar char="•"/>
+            </a:pPr>
+            <a:r>
+              <a:rPr lang="en-US" sz="2800" b="1" dirty="0">
+                <a:solidFill>
+                  <a:schemeClr val="dk1"/>
+                </a:solidFill>
+                <a:latin typeface="Times"/>
+                <a:cs typeface="Times"/>
+              </a:rPr>
+              <a:t>Level of autonomy: </a:t>
+            </a:r>
+          </a:p>
+          <a:p>
+            <a:pPr lvl="1">
+              <a:spcBef>
+                <a:spcPts val="600"/>
+              </a:spcBef>
+            </a:pPr>
+            <a:r>
+              <a:rPr lang="en-US" sz="2800" dirty="0">
+                <a:solidFill>
+                  <a:schemeClr val="dk1"/>
+                </a:solidFill>
+                <a:latin typeface="Times"/>
+                <a:cs typeface="Times"/>
+              </a:rPr>
+              <a:t>	- Semiautonomous (human in the loop)</a:t>
+            </a:r>
+          </a:p>
+          <a:p>
+            <a:pPr lvl="1">
+              <a:spcBef>
+                <a:spcPts val="600"/>
+              </a:spcBef>
+            </a:pPr>
+            <a:r>
+              <a:rPr lang="en-US" sz="2800" dirty="0">
+                <a:solidFill>
+                  <a:schemeClr val="dk1"/>
+                </a:solidFill>
+                <a:latin typeface="Times"/>
+                <a:cs typeface="Times"/>
+              </a:rPr>
+              <a:t>	- Supervised autonomous (human on the loop)</a:t>
+            </a:r>
+          </a:p>
+          <a:p>
+            <a:pPr lvl="1">
+              <a:spcBef>
+                <a:spcPts val="600"/>
+              </a:spcBef>
+            </a:pPr>
+            <a:r>
+              <a:rPr lang="en-US" sz="2800" dirty="0">
+                <a:solidFill>
+                  <a:schemeClr val="dk1"/>
+                </a:solidFill>
+                <a:latin typeface="Times"/>
+                <a:cs typeface="Times"/>
+              </a:rPr>
+              <a:t>	- Fully autonomous (human out of the loop)</a:t>
+            </a:r>
+            <a:endParaRPr lang="en-US" sz="2800" b="1" dirty="0">
+              <a:solidFill>
+                <a:schemeClr val="dk1"/>
+              </a:solidFill>
+              <a:latin typeface="Times"/>
+              <a:cs typeface="Times"/>
+            </a:endParaRPr>
+          </a:p>
+          <a:p>
+            <a:pPr marL="342900" lvl="0" indent="-342900">
+              <a:lnSpc>
+                <a:spcPct val="150000"/>
+              </a:lnSpc>
+              <a:spcBef>
+                <a:spcPts val="600"/>
+              </a:spcBef>
+              <a:buFont typeface="Arial" panose="020B0604020202020204" pitchFamily="34" charset="0"/>
+              <a:buChar char="•"/>
+            </a:pPr>
+            <a:r>
+              <a:rPr lang="en-US" sz="2800" b="1" dirty="0">
+                <a:solidFill>
+                  <a:schemeClr val="dk1"/>
+                </a:solidFill>
+                <a:latin typeface="Times"/>
+                <a:cs typeface="Times"/>
+              </a:rPr>
+              <a:t>Military potential of Human-autonomy teaming</a:t>
+            </a:r>
+          </a:p>
+          <a:p>
+            <a:pPr lvl="1">
+              <a:spcBef>
+                <a:spcPts val="600"/>
+              </a:spcBef>
+            </a:pPr>
+            <a:r>
+              <a:rPr lang="en-US" sz="2800" b="1" dirty="0">
+                <a:solidFill>
+                  <a:schemeClr val="dk1"/>
+                </a:solidFill>
+                <a:latin typeface="Times"/>
+                <a:cs typeface="Times"/>
+              </a:rPr>
+              <a:t>	</a:t>
+            </a:r>
+            <a:r>
+              <a:rPr lang="en-US" sz="2800" dirty="0">
+                <a:solidFill>
+                  <a:schemeClr val="dk1"/>
+                </a:solidFill>
+                <a:latin typeface="Times"/>
+                <a:cs typeface="Times"/>
+              </a:rPr>
+              <a:t>- Reliability of autonomous systems</a:t>
+            </a:r>
+          </a:p>
+          <a:p>
+            <a:pPr lvl="1">
+              <a:spcBef>
+                <a:spcPts val="600"/>
+              </a:spcBef>
+            </a:pPr>
+            <a:r>
+              <a:rPr lang="de-DE" sz="2800" dirty="0">
+                <a:solidFill>
+                  <a:schemeClr val="dk1"/>
+                </a:solidFill>
+                <a:latin typeface="Times"/>
+                <a:cs typeface="Times"/>
+              </a:rPr>
+              <a:t>	- </a:t>
+            </a:r>
+            <a:r>
+              <a:rPr lang="de-DE" sz="2800" dirty="0" err="1">
+                <a:solidFill>
+                  <a:schemeClr val="dk1"/>
+                </a:solidFill>
+                <a:latin typeface="Times"/>
+                <a:cs typeface="Times"/>
+              </a:rPr>
+              <a:t>Cognitive</a:t>
+            </a:r>
+            <a:r>
+              <a:rPr lang="de-DE" sz="2800" dirty="0">
+                <a:solidFill>
+                  <a:schemeClr val="dk1"/>
+                </a:solidFill>
+                <a:latin typeface="Times"/>
+                <a:cs typeface="Times"/>
+              </a:rPr>
+              <a:t> </a:t>
+            </a:r>
+            <a:r>
+              <a:rPr lang="de-DE" sz="2800" dirty="0" err="1">
+                <a:solidFill>
+                  <a:schemeClr val="dk1"/>
+                </a:solidFill>
+                <a:latin typeface="Times"/>
+                <a:cs typeface="Times"/>
+              </a:rPr>
+              <a:t>load</a:t>
+            </a:r>
+            <a:r>
+              <a:rPr lang="de-DE" sz="2800" dirty="0">
+                <a:solidFill>
+                  <a:schemeClr val="dk1"/>
+                </a:solidFill>
+                <a:latin typeface="Times"/>
+                <a:cs typeface="Times"/>
+              </a:rPr>
+              <a:t> </a:t>
+            </a:r>
+            <a:r>
+              <a:rPr lang="de-DE" sz="2800" dirty="0" err="1">
+                <a:solidFill>
+                  <a:schemeClr val="dk1"/>
+                </a:solidFill>
+                <a:latin typeface="Times"/>
+                <a:cs typeface="Times"/>
+              </a:rPr>
+              <a:t>of</a:t>
+            </a:r>
+            <a:r>
+              <a:rPr lang="de-DE" sz="2800" dirty="0">
+                <a:solidFill>
+                  <a:schemeClr val="dk1"/>
+                </a:solidFill>
+                <a:latin typeface="Times"/>
+                <a:cs typeface="Times"/>
+              </a:rPr>
+              <a:t> </a:t>
+            </a:r>
+            <a:r>
+              <a:rPr lang="de-DE" sz="2800" dirty="0" err="1">
+                <a:solidFill>
+                  <a:schemeClr val="dk1"/>
+                </a:solidFill>
+                <a:latin typeface="Times"/>
+                <a:cs typeface="Times"/>
+              </a:rPr>
+              <a:t>the</a:t>
+            </a:r>
+            <a:r>
+              <a:rPr lang="de-DE" sz="2800" dirty="0">
+                <a:solidFill>
+                  <a:schemeClr val="dk1"/>
+                </a:solidFill>
+                <a:latin typeface="Times"/>
+                <a:cs typeface="Times"/>
+              </a:rPr>
+              <a:t> human-</a:t>
+            </a:r>
+            <a:r>
+              <a:rPr lang="de-DE" sz="2800" dirty="0" err="1">
+                <a:solidFill>
+                  <a:schemeClr val="dk1"/>
+                </a:solidFill>
+                <a:latin typeface="Times"/>
+                <a:cs typeface="Times"/>
+              </a:rPr>
+              <a:t>superviser</a:t>
+            </a:r>
+            <a:endParaRPr lang="de-DE" sz="2800" dirty="0">
+              <a:solidFill>
+                <a:schemeClr val="dk1"/>
+              </a:solidFill>
+              <a:latin typeface="Times"/>
+              <a:cs typeface="Times"/>
+            </a:endParaRPr>
+          </a:p>
+          <a:p>
+            <a:pPr lvl="1">
+              <a:spcBef>
+                <a:spcPts val="600"/>
+              </a:spcBef>
+            </a:pPr>
+            <a:r>
+              <a:rPr lang="de-DE" sz="2800" dirty="0">
+                <a:solidFill>
+                  <a:schemeClr val="dk1"/>
+                </a:solidFill>
+                <a:latin typeface="Times"/>
+                <a:cs typeface="Times"/>
+              </a:rPr>
+              <a:t>	- </a:t>
+            </a:r>
+            <a:r>
+              <a:rPr lang="de-DE" sz="2800" dirty="0" err="1">
+                <a:solidFill>
+                  <a:schemeClr val="dk1"/>
+                </a:solidFill>
+                <a:latin typeface="Times"/>
+                <a:cs typeface="Times"/>
+              </a:rPr>
+              <a:t>Ethical</a:t>
+            </a:r>
+            <a:r>
+              <a:rPr lang="de-DE" sz="2800" dirty="0">
+                <a:solidFill>
+                  <a:schemeClr val="dk1"/>
+                </a:solidFill>
+                <a:latin typeface="Times"/>
+                <a:cs typeface="Times"/>
+              </a:rPr>
+              <a:t> and legal </a:t>
+            </a:r>
+            <a:r>
+              <a:rPr lang="de-DE" sz="2800" dirty="0" err="1">
+                <a:solidFill>
+                  <a:schemeClr val="dk1"/>
+                </a:solidFill>
+                <a:latin typeface="Times"/>
+                <a:cs typeface="Times"/>
+              </a:rPr>
+              <a:t>aspects</a:t>
+            </a:r>
+            <a:endParaRPr lang="en-US" sz="2800" dirty="0">
+              <a:solidFill>
+                <a:schemeClr val="dk1"/>
+              </a:solidFill>
+              <a:latin typeface="Times"/>
+              <a:cs typeface="Times"/>
+            </a:endParaRPr>
+          </a:p>
+          <a:p>
+            <a:pPr lvl="1">
+              <a:spcBef>
+                <a:spcPts val="600"/>
+              </a:spcBef>
+            </a:pPr>
+            <a:endParaRPr lang="en-US" sz="2400" dirty="0">
+              <a:solidFill>
+                <a:schemeClr val="dk1"/>
+              </a:solidFill>
+              <a:latin typeface="Times"/>
+              <a:cs typeface="Times"/>
+            </a:endParaRPr>
+          </a:p>
+          <a:p>
             <a:pPr lvl="0">
               <a:spcBef>
                 <a:spcPts val="600"/>
               </a:spcBef>
             </a:pPr>
-            <a:r>
-              <a:rPr lang="en-US" sz="2400" dirty="0">
-                <a:solidFill>
-                  <a:schemeClr val="dk1"/>
-                </a:solidFill>
-                <a:latin typeface="Times"/>
-                <a:cs typeface="Times"/>
-              </a:rPr>
-              <a:t>When searching for literature on the topic of Human-assisted Weapon Systems, we mostly found terms such as Manned-unmanned teaming and Human-autonomy teaming. It is striking that the term Human-autonomy teaming is used more frequently in the latest publications. This is related to advances in the field of autonomous systems in recent years and the resulting potential in the military sector. Manned-unmanned teaming is the collaboration between a system of human inmates and a human remote controlled system without human occupants. In Human-autonomy teaming, the unmanned system is autonomously controlled by an agent or AI and is not remotely controlled by a human operator.</a:t>
-            </a:r>
+            <a:endParaRPr lang="en-US" sz="2400" dirty="0">
+              <a:solidFill>
+                <a:schemeClr val="dk1"/>
+              </a:solidFill>
+              <a:latin typeface="Times"/>
+              <a:cs typeface="Times"/>
+            </a:endParaRPr>
+          </a:p>
+          <a:p>
+            <a:pPr lvl="0">
+              <a:spcBef>
+                <a:spcPts val="600"/>
+              </a:spcBef>
+            </a:pPr>
             <a:endParaRPr sz="2400" dirty="0">
               <a:solidFill>
                 <a:schemeClr val="dk1"/>
@@ -24565,7 +25712,7 @@
     </p:spTree>
     <p:extLst>
       <p:ext uri="{BB962C8B-B14F-4D97-AF65-F5344CB8AC3E}">
-        <p14:creationId xmlns:p14="http://schemas.microsoft.com/office/powerpoint/2010/main" val="1163336722"/>
+        <p14:creationId xmlns:p14="http://schemas.microsoft.com/office/powerpoint/2010/main" val="1178821223"/>
       </p:ext>
     </p:extLst>
   </p:cSld>
@@ -24732,34 +25879,111 @@
           <a:lstStyle/>
           <a:p>
             <a:r>
-              <a:rPr lang="en-US" sz="2400" dirty="0"/>
+              <a:rPr lang="en-US" sz="3200" dirty="0">
+                <a:latin typeface="Times New Roman" panose="02020603050405020304" pitchFamily="18" charset="0"/>
+                <a:cs typeface="Times New Roman" panose="02020603050405020304" pitchFamily="18" charset="0"/>
+              </a:rPr>
               <a:t>We want to use a </a:t>
             </a:r>
             <a:r>
-              <a:rPr lang="en-US" sz="2400" b="1" dirty="0"/>
+              <a:rPr lang="en-US" sz="3200" b="1" dirty="0">
+                <a:latin typeface="Times New Roman" panose="02020603050405020304" pitchFamily="18" charset="0"/>
+                <a:cs typeface="Times New Roman" panose="02020603050405020304" pitchFamily="18" charset="0"/>
+              </a:rPr>
               <a:t>Mixed Methods Approach </a:t>
             </a:r>
             <a:r>
-              <a:rPr lang="en-US" sz="2400" dirty="0"/>
-              <a:t>to answer the following Research Questions</a:t>
-            </a:r>
-          </a:p>
-          <a:p>
-            <a:endParaRPr lang="en-US" sz="2400" dirty="0"/>
-          </a:p>
-          <a:p>
-            <a:r>
-              <a:rPr lang="en-US" sz="2400" dirty="0"/>
-              <a:t>We want to answer the qualitative research questions by interviews and/or literature review.</a:t>
-            </a:r>
-          </a:p>
-          <a:p>
-            <a:endParaRPr lang="en-US" sz="2400" dirty="0"/>
-          </a:p>
-          <a:p>
-            <a:r>
-              <a:rPr lang="en-US" sz="2400" dirty="0"/>
-              <a:t>We want to answer quantitative research question by simulation experiments.</a:t>
+              <a:rPr lang="en-US" sz="3200" dirty="0">
+                <a:latin typeface="Times New Roman" panose="02020603050405020304" pitchFamily="18" charset="0"/>
+                <a:cs typeface="Times New Roman" panose="02020603050405020304" pitchFamily="18" charset="0"/>
+              </a:rPr>
+              <a:t>to answer the following Research Questions:</a:t>
+            </a:r>
+          </a:p>
+          <a:p>
+            <a:endParaRPr lang="en-US" sz="3200" dirty="0">
+              <a:latin typeface="Times New Roman" panose="02020603050405020304" pitchFamily="18" charset="0"/>
+              <a:cs typeface="Times New Roman" panose="02020603050405020304" pitchFamily="18" charset="0"/>
+            </a:endParaRPr>
+          </a:p>
+          <a:p>
+            <a:pPr marL="457200" indent="-457200">
+              <a:buFont typeface="Arial" panose="020B0604020202020204" pitchFamily="34" charset="0"/>
+              <a:buChar char="•"/>
+            </a:pPr>
+            <a:r>
+              <a:rPr lang="en-US" sz="3200" b="1" dirty="0">
+                <a:latin typeface="Times New Roman" panose="02020603050405020304" pitchFamily="18" charset="0"/>
+                <a:cs typeface="Times New Roman" panose="02020603050405020304" pitchFamily="18" charset="0"/>
+              </a:rPr>
+              <a:t>1st Step: Qualitative research questions </a:t>
+            </a:r>
+          </a:p>
+          <a:p>
+            <a:r>
+              <a:rPr lang="en-US" sz="3200" dirty="0">
+                <a:latin typeface="Times New Roman" panose="02020603050405020304" pitchFamily="18" charset="0"/>
+                <a:cs typeface="Times New Roman" panose="02020603050405020304" pitchFamily="18" charset="0"/>
+              </a:rPr>
+              <a:t>	- literature review</a:t>
+            </a:r>
+          </a:p>
+          <a:p>
+            <a:r>
+              <a:rPr lang="en-US" sz="3200" dirty="0">
+                <a:latin typeface="Times New Roman" panose="02020603050405020304" pitchFamily="18" charset="0"/>
+                <a:cs typeface="Times New Roman" panose="02020603050405020304" pitchFamily="18" charset="0"/>
+              </a:rPr>
+              <a:t>	- interviews </a:t>
+            </a:r>
+          </a:p>
+          <a:p>
+            <a:endParaRPr lang="en-US" sz="3200" dirty="0">
+              <a:latin typeface="Times New Roman" panose="02020603050405020304" pitchFamily="18" charset="0"/>
+              <a:cs typeface="Times New Roman" panose="02020603050405020304" pitchFamily="18" charset="0"/>
+            </a:endParaRPr>
+          </a:p>
+          <a:p>
+            <a:pPr marL="457200" indent="-457200">
+              <a:buFont typeface="Arial" panose="020B0604020202020204" pitchFamily="34" charset="0"/>
+              <a:buChar char="•"/>
+            </a:pPr>
+            <a:r>
+              <a:rPr lang="en-US" sz="3200" b="1" dirty="0">
+                <a:latin typeface="Times New Roman" panose="02020603050405020304" pitchFamily="18" charset="0"/>
+                <a:cs typeface="Times New Roman" panose="02020603050405020304" pitchFamily="18" charset="0"/>
+              </a:rPr>
+              <a:t>2</a:t>
+            </a:r>
+            <a:r>
+              <a:rPr lang="en-US" sz="3200" b="1" baseline="30000" dirty="0">
+                <a:latin typeface="Times New Roman" panose="02020603050405020304" pitchFamily="18" charset="0"/>
+                <a:cs typeface="Times New Roman" panose="02020603050405020304" pitchFamily="18" charset="0"/>
+              </a:rPr>
+              <a:t>nd</a:t>
+            </a:r>
+            <a:r>
+              <a:rPr lang="en-US" sz="3200" b="1" dirty="0">
+                <a:latin typeface="Times New Roman" panose="02020603050405020304" pitchFamily="18" charset="0"/>
+                <a:cs typeface="Times New Roman" panose="02020603050405020304" pitchFamily="18" charset="0"/>
+              </a:rPr>
+              <a:t> Step: Quantitative research question </a:t>
+            </a:r>
+          </a:p>
+          <a:p>
+            <a:r>
+              <a:rPr lang="en-US" sz="3200" b="1" dirty="0">
+                <a:latin typeface="Times New Roman" panose="02020603050405020304" pitchFamily="18" charset="0"/>
+                <a:cs typeface="Times New Roman" panose="02020603050405020304" pitchFamily="18" charset="0"/>
+              </a:rPr>
+              <a:t>	</a:t>
+            </a:r>
+            <a:r>
+              <a:rPr lang="en-US" sz="3200" dirty="0">
+                <a:latin typeface="Times New Roman" panose="02020603050405020304" pitchFamily="18" charset="0"/>
+                <a:cs typeface="Times New Roman" panose="02020603050405020304" pitchFamily="18" charset="0"/>
+              </a:rPr>
+              <a:t>- simulation experiments.</a:t>
             </a:r>
           </a:p>
           <a:p>
@@ -24943,45 +26167,83 @@
           <a:lstStyle/>
           <a:p>
             <a:r>
-              <a:rPr lang="en-US" sz="2400" b="1" dirty="0"/>
+              <a:rPr lang="en-US" sz="3000" b="1" dirty="0">
+                <a:latin typeface="Times New Roman" panose="02020603050405020304" pitchFamily="18" charset="0"/>
+                <a:cs typeface="Times New Roman" panose="02020603050405020304" pitchFamily="18" charset="0"/>
+              </a:rPr>
               <a:t>Central question: </a:t>
             </a:r>
             <a:r>
-              <a:rPr lang="en-US" sz="2400" dirty="0"/>
+              <a:rPr lang="en-US" sz="3000" dirty="0">
+                <a:latin typeface="Times New Roman" panose="02020603050405020304" pitchFamily="18" charset="0"/>
+                <a:cs typeface="Times New Roman" panose="02020603050405020304" pitchFamily="18" charset="0"/>
+              </a:rPr>
               <a:t>What are the benefits of using human-supervised autonomous systems in a military environment?</a:t>
             </a:r>
           </a:p>
           <a:p>
-            <a:endParaRPr lang="en-US" sz="2400" dirty="0"/>
-          </a:p>
-          <a:p>
-            <a:r>
-              <a:rPr lang="en-US" sz="2400" b="1" dirty="0" err="1"/>
+            <a:endParaRPr lang="en-US" sz="3000" dirty="0">
+              <a:latin typeface="Times New Roman" panose="02020603050405020304" pitchFamily="18" charset="0"/>
+              <a:cs typeface="Times New Roman" panose="02020603050405020304" pitchFamily="18" charset="0"/>
+            </a:endParaRPr>
+          </a:p>
+          <a:p>
+            <a:pPr marL="457200" indent="-457200">
+              <a:buFont typeface="Arial" panose="020B0604020202020204" pitchFamily="34" charset="0"/>
+              <a:buChar char="•"/>
+            </a:pPr>
+            <a:r>
+              <a:rPr lang="en-US" sz="3000" b="1" dirty="0" err="1">
+                <a:latin typeface="Times New Roman" panose="02020603050405020304" pitchFamily="18" charset="0"/>
+                <a:cs typeface="Times New Roman" panose="02020603050405020304" pitchFamily="18" charset="0"/>
+              </a:rPr>
               <a:t>Subquestion</a:t>
             </a:r>
             <a:r>
-              <a:rPr lang="en-US" sz="2400" b="1" dirty="0"/>
+              <a:rPr lang="en-US" sz="3000" b="1" dirty="0">
+                <a:latin typeface="Times New Roman" panose="02020603050405020304" pitchFamily="18" charset="0"/>
+                <a:cs typeface="Times New Roman" panose="02020603050405020304" pitchFamily="18" charset="0"/>
+              </a:rPr>
               <a:t> 1</a:t>
             </a:r>
             <a:r>
-              <a:rPr lang="en-US" sz="2400" dirty="0"/>
+              <a:rPr lang="en-US" sz="3000" dirty="0">
+                <a:latin typeface="Times New Roman" panose="02020603050405020304" pitchFamily="18" charset="0"/>
+                <a:cs typeface="Times New Roman" panose="02020603050405020304" pitchFamily="18" charset="0"/>
+              </a:rPr>
               <a:t>: What is the current status of research on Human-autonomy teaming in the military?</a:t>
             </a:r>
           </a:p>
           <a:p>
-            <a:endParaRPr lang="en-US" sz="2400" dirty="0"/>
-          </a:p>
-          <a:p>
-            <a:r>
-              <a:rPr lang="en-US" sz="2400" b="1" dirty="0" err="1"/>
+            <a:endParaRPr lang="en-US" sz="3000" dirty="0">
+              <a:latin typeface="Times New Roman" panose="02020603050405020304" pitchFamily="18" charset="0"/>
+              <a:cs typeface="Times New Roman" panose="02020603050405020304" pitchFamily="18" charset="0"/>
+            </a:endParaRPr>
+          </a:p>
+          <a:p>
+            <a:pPr marL="457200" indent="-457200">
+              <a:buFont typeface="Arial" panose="020B0604020202020204" pitchFamily="34" charset="0"/>
+              <a:buChar char="•"/>
+            </a:pPr>
+            <a:r>
+              <a:rPr lang="en-US" sz="3000" b="1" dirty="0" err="1">
+                <a:latin typeface="Times New Roman" panose="02020603050405020304" pitchFamily="18" charset="0"/>
+                <a:cs typeface="Times New Roman" panose="02020603050405020304" pitchFamily="18" charset="0"/>
+              </a:rPr>
               <a:t>Subquestion</a:t>
             </a:r>
             <a:r>
-              <a:rPr lang="en-US" sz="2400" b="1" dirty="0"/>
+              <a:rPr lang="en-US" sz="3000" b="1" dirty="0">
+                <a:latin typeface="Times New Roman" panose="02020603050405020304" pitchFamily="18" charset="0"/>
+                <a:cs typeface="Times New Roman" panose="02020603050405020304" pitchFamily="18" charset="0"/>
+              </a:rPr>
               <a:t> 2: </a:t>
             </a:r>
             <a:r>
-              <a:rPr lang="en-US" sz="2400" dirty="0"/>
+              <a:rPr lang="en-US" sz="3000" dirty="0">
+                <a:latin typeface="Times New Roman" panose="02020603050405020304" pitchFamily="18" charset="0"/>
+                <a:cs typeface="Times New Roman" panose="02020603050405020304" pitchFamily="18" charset="0"/>
+              </a:rPr>
               <a:t>How could autonomous systems be integrated into the armed forces, ensuring that legal aspects are adhered to?</a:t>
             </a:r>
           </a:p>
@@ -25160,27 +26422,41 @@
           <a:lstStyle/>
           <a:p>
             <a:r>
-              <a:rPr lang="en-US" sz="2400" b="1" dirty="0"/>
+              <a:rPr lang="en-US" sz="2200" b="1" dirty="0">
+                <a:latin typeface="Times New Roman" panose="02020603050405020304" pitchFamily="18" charset="0"/>
+                <a:cs typeface="Times New Roman" panose="02020603050405020304" pitchFamily="18" charset="0"/>
+              </a:rPr>
               <a:t>Central question: What are the benefits of using human-supervised autonomous systems in a military environment?</a:t>
             </a:r>
           </a:p>
           <a:p>
-            <a:endParaRPr lang="en-US" sz="2400" dirty="0"/>
-          </a:p>
-          <a:p>
-            <a:r>
-              <a:rPr lang="en-US" dirty="0"/>
+            <a:endParaRPr lang="en-US" sz="2200" dirty="0">
+              <a:latin typeface="Times New Roman" panose="02020603050405020304" pitchFamily="18" charset="0"/>
+              <a:cs typeface="Times New Roman" panose="02020603050405020304" pitchFamily="18" charset="0"/>
+            </a:endParaRPr>
+          </a:p>
+          <a:p>
+            <a:r>
+              <a:rPr lang="en-US" sz="2200" dirty="0">
+                <a:latin typeface="Times New Roman" panose="02020603050405020304" pitchFamily="18" charset="0"/>
+                <a:cs typeface="Times New Roman" panose="02020603050405020304" pitchFamily="18" charset="0"/>
+              </a:rPr>
               <a:t>    The military is looking into increasing their capabilities star introducing unmanned vehicles (UVs) and robotic systems (Squire &amp; Parasuraman, 2010) (de Visser &amp; Parasuraman, 2011) (Chen &amp; Barnes 2014).  The factors driving the introduction of UVs to increase force lethality, survivor evacuation, and reducing human exposure to combat operations (Chen &amp; Barnes 2014).  Other factors are the reduction in personnel, reduction in labor cost, improve human safety and cost-saving ways to perform tasks without the human limitations and expense (Squire &amp; Parasuraman, 2010) (</a:t>
             </a:r>
             <a:r>
-              <a:rPr lang="en-US" dirty="0" err="1"/>
+              <a:rPr lang="en-US" sz="2200" dirty="0" err="1">
+                <a:latin typeface="Times New Roman" panose="02020603050405020304" pitchFamily="18" charset="0"/>
+                <a:cs typeface="Times New Roman" panose="02020603050405020304" pitchFamily="18" charset="0"/>
+              </a:rPr>
               <a:t>Endsley</a:t>
             </a:r>
             <a:r>
-              <a:rPr lang="en-US" dirty="0"/>
+              <a:rPr lang="en-US" sz="2200" dirty="0">
+                <a:latin typeface="Times New Roman" panose="02020603050405020304" pitchFamily="18" charset="0"/>
+                <a:cs typeface="Times New Roman" panose="02020603050405020304" pitchFamily="18" charset="0"/>
+              </a:rPr>
               <a:t>, 2017).  The literature provides some evidence where the use of human-supervised autonomous has been beneficial.</a:t>
             </a:r>
-            <a:endParaRPr lang="en-US" sz="2400" dirty="0"/>
           </a:p>
         </p:txBody>
       </p:sp>
@@ -25354,23 +26630,34 @@
           <a:lstStyle/>
           <a:p>
             <a:r>
-              <a:rPr lang="en-US" sz="2400" b="1" dirty="0" err="1"/>
+              <a:rPr lang="en-US" sz="2200" b="1" dirty="0" err="1">
+                <a:latin typeface="Times New Roman" panose="02020603050405020304" pitchFamily="18" charset="0"/>
+                <a:cs typeface="Times New Roman" panose="02020603050405020304" pitchFamily="18" charset="0"/>
+              </a:rPr>
               <a:t>Subquestion</a:t>
             </a:r>
             <a:r>
-              <a:rPr lang="en-US" sz="2400" b="1" dirty="0"/>
+              <a:rPr lang="en-US" sz="2200" b="1" dirty="0">
+                <a:latin typeface="Times New Roman" panose="02020603050405020304" pitchFamily="18" charset="0"/>
+                <a:cs typeface="Times New Roman" panose="02020603050405020304" pitchFamily="18" charset="0"/>
+              </a:rPr>
               <a:t> 1: What is the current status of research on Human-autonomy teaming in the military?</a:t>
             </a:r>
           </a:p>
           <a:p>
-            <a:endParaRPr lang="en-US" sz="2400" dirty="0"/>
-          </a:p>
-          <a:p>
-            <a:r>
-              <a:rPr lang="en-US" dirty="0"/>
+            <a:endParaRPr lang="en-US" sz="2200" dirty="0">
+              <a:latin typeface="Times New Roman" panose="02020603050405020304" pitchFamily="18" charset="0"/>
+              <a:cs typeface="Times New Roman" panose="02020603050405020304" pitchFamily="18" charset="0"/>
+            </a:endParaRPr>
+          </a:p>
+          <a:p>
+            <a:r>
+              <a:rPr lang="en-US" sz="2200" dirty="0">
+                <a:latin typeface="Times New Roman" panose="02020603050405020304" pitchFamily="18" charset="0"/>
+                <a:cs typeface="Times New Roman" panose="02020603050405020304" pitchFamily="18" charset="0"/>
+              </a:rPr>
               <a:t>   Current research being performed on the subject of dismounted infantry working with small robots, intelligent analysis, human working with intelligent agents managing teams of unmanned vehicles, vehicles with ground penetrating radars (Chen, 2018).  Most of the research perform into the efficacy Some research perform in human-automation teaming is looking at the behavior and the synchronization between teams (Demir, McNeese, and Cooke, 2018).  There are a number of research being conducted in the field of human-autonomy systems.  Some of the research concentrate on the cognitive load of the human agent and how to decrease it.</a:t>
             </a:r>
-            <a:endParaRPr lang="en-US" sz="2400" dirty="0"/>
           </a:p>
         </p:txBody>
       </p:sp>
@@ -25544,39 +26831,60 @@
           <a:lstStyle/>
           <a:p>
             <a:r>
-              <a:rPr lang="en-US" sz="2400" b="1" dirty="0" err="1"/>
+              <a:rPr lang="en-US" sz="2200" b="1" dirty="0" err="1">
+                <a:latin typeface="Times New Roman" panose="02020603050405020304" pitchFamily="18" charset="0"/>
+                <a:cs typeface="Times New Roman" panose="02020603050405020304" pitchFamily="18" charset="0"/>
+              </a:rPr>
               <a:t>Subquestion</a:t>
             </a:r>
             <a:r>
-              <a:rPr lang="en-US" sz="2400" b="1" dirty="0"/>
+              <a:rPr lang="en-US" sz="2200" b="1" dirty="0">
+                <a:latin typeface="Times New Roman" panose="02020603050405020304" pitchFamily="18" charset="0"/>
+                <a:cs typeface="Times New Roman" panose="02020603050405020304" pitchFamily="18" charset="0"/>
+              </a:rPr>
               <a:t> 2: How could autonomous systems be integrated into the armed forces, ensuring that legal aspects are adhered to?</a:t>
             </a:r>
-          </a:p>
-          <a:p>
-            <a:endParaRPr lang="en-US" sz="2400" dirty="0"/>
-          </a:p>
-          <a:p>
-            <a:r>
-              <a:rPr lang="en-US" dirty="0"/>
+            <a:endParaRPr lang="en-US" sz="1900" dirty="0">
+              <a:latin typeface="Times New Roman" panose="02020603050405020304" pitchFamily="18" charset="0"/>
+              <a:cs typeface="Times New Roman" panose="02020603050405020304" pitchFamily="18" charset="0"/>
+            </a:endParaRPr>
+          </a:p>
+          <a:p>
+            <a:r>
+              <a:rPr lang="en-US" sz="1900" dirty="0">
+                <a:latin typeface="Times New Roman" panose="02020603050405020304" pitchFamily="18" charset="0"/>
+                <a:cs typeface="Times New Roman" panose="02020603050405020304" pitchFamily="18" charset="0"/>
+              </a:rPr>
               <a:t>   The suggestion for autonomous systems to ensure they adhered to legal implication is to rest the authority on a human supervisor (Chen &amp; Barnes 2014). Humans still understand patterns behavior, human intentions, macro implications and ethical responsibilities much better than artificial systems (Chen &amp; Barnes 2014). For this reason, the system autonomous agent shall always remain subordinate to their human counterparts (Chen &amp; Barnes 2014). The human will only be allowed the agent to act autonomously only specified conditions (Chen &amp; Barnes 2014). John H. Northrop and Associate conducted a study which suggests developing a matrix defining the level of automation (</a:t>
             </a:r>
             <a:r>
-              <a:rPr lang="en-US" dirty="0" err="1"/>
+              <a:rPr lang="en-US" sz="1900" dirty="0" err="1">
+                <a:latin typeface="Times New Roman" panose="02020603050405020304" pitchFamily="18" charset="0"/>
+                <a:cs typeface="Times New Roman" panose="02020603050405020304" pitchFamily="18" charset="0"/>
+              </a:rPr>
               <a:t>Chesebrough</a:t>
             </a:r>
             <a:r>
-              <a:rPr lang="en-US" dirty="0"/>
+              <a:rPr lang="en-US" sz="1900" dirty="0">
+                <a:latin typeface="Times New Roman" panose="02020603050405020304" pitchFamily="18" charset="0"/>
+                <a:cs typeface="Times New Roman" panose="02020603050405020304" pitchFamily="18" charset="0"/>
+              </a:rPr>
               <a:t> &amp; Dooley, 2018).  This matrix should provide the need and level of autonomous tactical needed to accomplish the mission within the constraints of mission parameters (</a:t>
             </a:r>
             <a:r>
-              <a:rPr lang="en-US" dirty="0" err="1"/>
+              <a:rPr lang="en-US" sz="1900" dirty="0" err="1">
+                <a:latin typeface="Times New Roman" panose="02020603050405020304" pitchFamily="18" charset="0"/>
+                <a:cs typeface="Times New Roman" panose="02020603050405020304" pitchFamily="18" charset="0"/>
+              </a:rPr>
               <a:t>Chesebrough</a:t>
             </a:r>
             <a:r>
-              <a:rPr lang="en-US" dirty="0"/>
+              <a:rPr lang="en-US" sz="1900" dirty="0">
+                <a:latin typeface="Times New Roman" panose="02020603050405020304" pitchFamily="18" charset="0"/>
+                <a:cs typeface="Times New Roman" panose="02020603050405020304" pitchFamily="18" charset="0"/>
+              </a:rPr>
               <a:t> &amp; Dooley, 2018). The literature has provided a number of solutions to integrate rules of engagement, ethical and legal tenants.</a:t>
             </a:r>
-            <a:endParaRPr lang="en-US" sz="2400" dirty="0"/>
           </a:p>
         </p:txBody>
       </p:sp>
